--- a/Doc/ゲーム企画書.pptx
+++ b/Doc/ゲーム企画書.pptx
@@ -11,7 +11,12 @@
     <p:sldId id="262" r:id="rId5"/>
     <p:sldId id="260" r:id="rId6"/>
     <p:sldId id="263" r:id="rId7"/>
-    <p:sldId id="261" r:id="rId8"/>
+    <p:sldId id="266" r:id="rId8"/>
+    <p:sldId id="264" r:id="rId9"/>
+    <p:sldId id="265" r:id="rId10"/>
+    <p:sldId id="267" r:id="rId11"/>
+    <p:sldId id="268" r:id="rId12"/>
+    <p:sldId id="261" r:id="rId13"/>
   </p:sldIdLst>
   <p:sldSz cx="12192000" cy="6858000"/>
   <p:notesSz cx="6858000" cy="9144000"/>
@@ -249,7 +254,7 @@
           <a:p>
             <a:fld id="{E4A449F1-492F-4407-951C-27EDAA32557C}" type="datetimeFigureOut">
               <a:rPr kumimoji="1" lang="ja-JP" altLang="en-US" smtClean="0"/>
-              <a:t>2014/12/20</a:t>
+              <a:t>2014/12/21</a:t>
             </a:fld>
             <a:endParaRPr kumimoji="1" lang="ja-JP" altLang="en-US"/>
           </a:p>
@@ -451,7 +456,7 @@
           <a:p>
             <a:fld id="{E4A449F1-492F-4407-951C-27EDAA32557C}" type="datetimeFigureOut">
               <a:rPr kumimoji="1" lang="ja-JP" altLang="en-US" smtClean="0"/>
-              <a:t>2014/12/20</a:t>
+              <a:t>2014/12/21</a:t>
             </a:fld>
             <a:endParaRPr kumimoji="1" lang="ja-JP" altLang="en-US"/>
           </a:p>
@@ -663,7 +668,7 @@
           <a:p>
             <a:fld id="{E4A449F1-492F-4407-951C-27EDAA32557C}" type="datetimeFigureOut">
               <a:rPr kumimoji="1" lang="ja-JP" altLang="en-US" smtClean="0"/>
-              <a:t>2014/12/20</a:t>
+              <a:t>2014/12/21</a:t>
             </a:fld>
             <a:endParaRPr kumimoji="1" lang="ja-JP" altLang="en-US"/>
           </a:p>
@@ -865,7 +870,7 @@
           <a:p>
             <a:fld id="{E4A449F1-492F-4407-951C-27EDAA32557C}" type="datetimeFigureOut">
               <a:rPr kumimoji="1" lang="ja-JP" altLang="en-US" smtClean="0"/>
-              <a:t>2014/12/20</a:t>
+              <a:t>2014/12/21</a:t>
             </a:fld>
             <a:endParaRPr kumimoji="1" lang="ja-JP" altLang="en-US"/>
           </a:p>
@@ -1111,7 +1116,7 @@
           <a:p>
             <a:fld id="{E4A449F1-492F-4407-951C-27EDAA32557C}" type="datetimeFigureOut">
               <a:rPr kumimoji="1" lang="ja-JP" altLang="en-US" smtClean="0"/>
-              <a:t>2014/12/20</a:t>
+              <a:t>2014/12/21</a:t>
             </a:fld>
             <a:endParaRPr kumimoji="1" lang="ja-JP" altLang="en-US"/>
           </a:p>
@@ -1407,7 +1412,7 @@
           <a:p>
             <a:fld id="{E4A449F1-492F-4407-951C-27EDAA32557C}" type="datetimeFigureOut">
               <a:rPr kumimoji="1" lang="ja-JP" altLang="en-US" smtClean="0"/>
-              <a:t>2014/12/20</a:t>
+              <a:t>2014/12/21</a:t>
             </a:fld>
             <a:endParaRPr kumimoji="1" lang="ja-JP" altLang="en-US"/>
           </a:p>
@@ -1838,7 +1843,7 @@
           <a:p>
             <a:fld id="{E4A449F1-492F-4407-951C-27EDAA32557C}" type="datetimeFigureOut">
               <a:rPr kumimoji="1" lang="ja-JP" altLang="en-US" smtClean="0"/>
-              <a:t>2014/12/20</a:t>
+              <a:t>2014/12/21</a:t>
             </a:fld>
             <a:endParaRPr kumimoji="1" lang="ja-JP" altLang="en-US"/>
           </a:p>
@@ -1956,7 +1961,7 @@
           <a:p>
             <a:fld id="{E4A449F1-492F-4407-951C-27EDAA32557C}" type="datetimeFigureOut">
               <a:rPr kumimoji="1" lang="ja-JP" altLang="en-US" smtClean="0"/>
-              <a:t>2014/12/20</a:t>
+              <a:t>2014/12/21</a:t>
             </a:fld>
             <a:endParaRPr kumimoji="1" lang="ja-JP" altLang="en-US"/>
           </a:p>
@@ -2051,7 +2056,7 @@
           <a:p>
             <a:fld id="{E4A449F1-492F-4407-951C-27EDAA32557C}" type="datetimeFigureOut">
               <a:rPr kumimoji="1" lang="ja-JP" altLang="en-US" smtClean="0"/>
-              <a:t>2014/12/20</a:t>
+              <a:t>2014/12/21</a:t>
             </a:fld>
             <a:endParaRPr kumimoji="1" lang="ja-JP" altLang="en-US"/>
           </a:p>
@@ -2360,7 +2365,7 @@
           <a:p>
             <a:fld id="{E4A449F1-492F-4407-951C-27EDAA32557C}" type="datetimeFigureOut">
               <a:rPr kumimoji="1" lang="ja-JP" altLang="en-US" smtClean="0"/>
-              <a:t>2014/12/20</a:t>
+              <a:t>2014/12/21</a:t>
             </a:fld>
             <a:endParaRPr kumimoji="1" lang="ja-JP" altLang="en-US"/>
           </a:p>
@@ -2613,7 +2618,7 @@
           <a:p>
             <a:fld id="{E4A449F1-492F-4407-951C-27EDAA32557C}" type="datetimeFigureOut">
               <a:rPr kumimoji="1" lang="ja-JP" altLang="en-US" smtClean="0"/>
-              <a:t>2014/12/20</a:t>
+              <a:t>2014/12/21</a:t>
             </a:fld>
             <a:endParaRPr kumimoji="1" lang="ja-JP" altLang="en-US"/>
           </a:p>
@@ -2858,7 +2863,7 @@
           <a:p>
             <a:fld id="{E4A449F1-492F-4407-951C-27EDAA32557C}" type="datetimeFigureOut">
               <a:rPr kumimoji="1" lang="ja-JP" altLang="en-US" smtClean="0"/>
-              <a:t>2014/12/20</a:t>
+              <a:t>2014/12/21</a:t>
             </a:fld>
             <a:endParaRPr kumimoji="1" lang="ja-JP" altLang="en-US"/>
           </a:p>
@@ -3335,8 +3340,8 @@
               <a:t>制作日 </a:t>
             </a:r>
             <a:r>
-              <a:rPr lang="en-US" altLang="ja-JP" sz="3600" dirty="0" smtClean="0"/>
-              <a:t>2014/12/20 </a:t>
+              <a:rPr lang="en-US" altLang="ja-JP" sz="3600" smtClean="0"/>
+              <a:t>2014/12/21 </a:t>
             </a:r>
             <a:endParaRPr kumimoji="1" lang="ja-JP" altLang="en-US" sz="3600" dirty="0"/>
           </a:p>
@@ -3346,6 +3351,739 @@
     <p:extLst>
       <p:ext uri="{BB962C8B-B14F-4D97-AF65-F5344CB8AC3E}">
         <p14:creationId xmlns:p14="http://schemas.microsoft.com/office/powerpoint/2010/main" val="178416300"/>
+      </p:ext>
+    </p:extLst>
+  </p:cSld>
+  <p:clrMapOvr>
+    <a:masterClrMapping/>
+  </p:clrMapOvr>
+  <p:timing>
+    <p:tnLst>
+      <p:par>
+        <p:cTn id="1" dur="indefinite" restart="never" nodeType="tmRoot"/>
+      </p:par>
+    </p:tnLst>
+  </p:timing>
+</p:sld>
+</file>
+
+<file path=ppt/slides/slide10.xml><?xml version="1.0" encoding="utf-8"?>
+<p:sld xmlns:a="http://schemas.openxmlformats.org/drawingml/2006/main" xmlns:r="http://schemas.openxmlformats.org/officeDocument/2006/relationships" xmlns:p="http://schemas.openxmlformats.org/presentationml/2006/main">
+  <p:cSld>
+    <p:spTree>
+      <p:nvGrpSpPr>
+        <p:cNvPr id="1" name=""/>
+        <p:cNvGrpSpPr/>
+        <p:nvPr/>
+      </p:nvGrpSpPr>
+      <p:grpSpPr>
+        <a:xfrm>
+          <a:off x="0" y="0"/>
+          <a:ext cx="0" cy="0"/>
+          <a:chOff x="0" y="0"/>
+          <a:chExt cx="0" cy="0"/>
+        </a:xfrm>
+      </p:grpSpPr>
+      <p:sp>
+        <p:nvSpPr>
+          <p:cNvPr id="2" name="タイトル 1"/>
+          <p:cNvSpPr>
+            <a:spLocks noGrp="1"/>
+          </p:cNvSpPr>
+          <p:nvPr>
+            <p:ph type="title"/>
+          </p:nvPr>
+        </p:nvSpPr>
+        <p:spPr/>
+        <p:txBody>
+          <a:bodyPr/>
+          <a:lstStyle/>
+          <a:p>
+            <a:r>
+              <a:rPr lang="ja-JP" altLang="en-US" dirty="0" smtClean="0">
+                <a:latin typeface="HGP創英角ｺﾞｼｯｸUB" panose="020B0900000000000000" pitchFamily="50" charset="-128"/>
+                <a:ea typeface="HGP創英角ｺﾞｼｯｸUB" panose="020B0900000000000000" pitchFamily="50" charset="-128"/>
+              </a:rPr>
+              <a:t>二酸化炭素を</a:t>
+            </a:r>
+            <a:r>
+              <a:rPr lang="ja-JP" altLang="en-US" dirty="0">
+                <a:latin typeface="HGP創英角ｺﾞｼｯｸUB" panose="020B0900000000000000" pitchFamily="50" charset="-128"/>
+                <a:ea typeface="HGP創英角ｺﾞｼｯｸUB" panose="020B0900000000000000" pitchFamily="50" charset="-128"/>
+              </a:rPr>
+              <a:t>増</a:t>
+            </a:r>
+            <a:r>
+              <a:rPr lang="ja-JP" altLang="en-US" dirty="0" smtClean="0">
+                <a:latin typeface="HGP創英角ｺﾞｼｯｸUB" panose="020B0900000000000000" pitchFamily="50" charset="-128"/>
+                <a:ea typeface="HGP創英角ｺﾞｼｯｸUB" panose="020B0900000000000000" pitchFamily="50" charset="-128"/>
+              </a:rPr>
+              <a:t>える条件</a:t>
+            </a:r>
+            <a:endParaRPr kumimoji="1" lang="ja-JP" altLang="en-US" dirty="0">
+              <a:latin typeface="HGP創英角ｺﾞｼｯｸUB" panose="020B0900000000000000" pitchFamily="50" charset="-128"/>
+              <a:ea typeface="HGP創英角ｺﾞｼｯｸUB" panose="020B0900000000000000" pitchFamily="50" charset="-128"/>
+            </a:endParaRPr>
+          </a:p>
+        </p:txBody>
+      </p:sp>
+      <p:sp>
+        <p:nvSpPr>
+          <p:cNvPr id="4" name="タイトル 1"/>
+          <p:cNvSpPr txBox="1">
+            <a:spLocks/>
+          </p:cNvSpPr>
+          <p:nvPr/>
+        </p:nvSpPr>
+        <p:spPr>
+          <a:xfrm>
+            <a:off x="838200" y="3450143"/>
+            <a:ext cx="10515600" cy="1325563"/>
+          </a:xfrm>
+          <a:prstGeom prst="rect">
+            <a:avLst/>
+          </a:prstGeom>
+        </p:spPr>
+        <p:txBody>
+          <a:bodyPr vert="horz" lIns="91440" tIns="45720" rIns="91440" bIns="45720" rtlCol="0" anchor="ctr">
+            <a:normAutofit/>
+          </a:bodyPr>
+          <a:lstStyle>
+            <a:lvl1pPr algn="l" defTabSz="914400" rtl="0" eaLnBrk="1" latinLnBrk="0" hangingPunct="1">
+              <a:lnSpc>
+                <a:spcPct val="90000"/>
+              </a:lnSpc>
+              <a:spcBef>
+                <a:spcPct val="0"/>
+              </a:spcBef>
+              <a:buNone/>
+              <a:defRPr kumimoji="1" sz="4400" kern="1200">
+                <a:solidFill>
+                  <a:schemeClr val="tx1"/>
+                </a:solidFill>
+                <a:latin typeface="+mj-lt"/>
+                <a:ea typeface="+mj-ea"/>
+                <a:cs typeface="+mj-cs"/>
+              </a:defRPr>
+            </a:lvl1pPr>
+          </a:lstStyle>
+          <a:p>
+            <a:r>
+              <a:rPr lang="ja-JP" altLang="en-US" dirty="0" smtClean="0">
+                <a:latin typeface="HGP創英角ｺﾞｼｯｸUB" panose="020B0900000000000000" pitchFamily="50" charset="-128"/>
+                <a:ea typeface="HGP創英角ｺﾞｼｯｸUB" panose="020B0900000000000000" pitchFamily="50" charset="-128"/>
+              </a:rPr>
+              <a:t>二酸化炭素を減らす方法</a:t>
+            </a:r>
+            <a:endParaRPr lang="ja-JP" altLang="en-US" dirty="0">
+              <a:latin typeface="HGP創英角ｺﾞｼｯｸUB" panose="020B0900000000000000" pitchFamily="50" charset="-128"/>
+              <a:ea typeface="HGP創英角ｺﾞｼｯｸUB" panose="020B0900000000000000" pitchFamily="50" charset="-128"/>
+            </a:endParaRPr>
+          </a:p>
+        </p:txBody>
+      </p:sp>
+      <p:sp>
+        <p:nvSpPr>
+          <p:cNvPr id="6" name="テキスト ボックス 5"/>
+          <p:cNvSpPr txBox="1"/>
+          <p:nvPr/>
+        </p:nvSpPr>
+        <p:spPr>
+          <a:xfrm>
+            <a:off x="838200" y="1699731"/>
+            <a:ext cx="10868696" cy="1446550"/>
+          </a:xfrm>
+          <a:prstGeom prst="rect">
+            <a:avLst/>
+          </a:prstGeom>
+          <a:noFill/>
+        </p:spPr>
+        <p:txBody>
+          <a:bodyPr wrap="square" rtlCol="0">
+            <a:spAutoFit/>
+          </a:bodyPr>
+          <a:lstStyle/>
+          <a:p>
+            <a:r>
+              <a:rPr lang="ja-JP" altLang="en-US" sz="4400" dirty="0" smtClean="0"/>
+              <a:t>自然災害が発生し、火事などの</a:t>
+            </a:r>
+            <a:r>
+              <a:rPr lang="ja-JP" altLang="en-US" sz="4400" dirty="0"/>
+              <a:t>二酸化炭素</a:t>
+            </a:r>
+            <a:r>
+              <a:rPr lang="ja-JP" altLang="en-US" sz="4400" dirty="0" smtClean="0"/>
+              <a:t>が発生しそうな災害が起こると増える。</a:t>
+            </a:r>
+            <a:endParaRPr kumimoji="1" lang="ja-JP" altLang="en-US" sz="4400" dirty="0"/>
+          </a:p>
+        </p:txBody>
+      </p:sp>
+      <p:sp>
+        <p:nvSpPr>
+          <p:cNvPr id="7" name="テキスト ボックス 6"/>
+          <p:cNvSpPr txBox="1"/>
+          <p:nvPr/>
+        </p:nvSpPr>
+        <p:spPr>
+          <a:xfrm>
+            <a:off x="838200" y="4807134"/>
+            <a:ext cx="10714149" cy="769441"/>
+          </a:xfrm>
+          <a:prstGeom prst="rect">
+            <a:avLst/>
+          </a:prstGeom>
+          <a:noFill/>
+        </p:spPr>
+        <p:txBody>
+          <a:bodyPr wrap="square" rtlCol="0">
+            <a:spAutoFit/>
+          </a:bodyPr>
+          <a:lstStyle/>
+          <a:p>
+            <a:r>
+              <a:rPr lang="ja-JP" altLang="en-US" sz="4400" dirty="0"/>
+              <a:t>木</a:t>
+            </a:r>
+            <a:r>
+              <a:rPr lang="ja-JP" altLang="en-US" sz="4400" dirty="0" smtClean="0"/>
+              <a:t>が成長し、大きくなると減らせる。</a:t>
+            </a:r>
+            <a:endParaRPr lang="en-US" altLang="ja-JP" sz="4400" dirty="0" smtClean="0"/>
+          </a:p>
+        </p:txBody>
+      </p:sp>
+    </p:spTree>
+    <p:extLst>
+      <p:ext uri="{BB962C8B-B14F-4D97-AF65-F5344CB8AC3E}">
+        <p14:creationId xmlns:p14="http://schemas.microsoft.com/office/powerpoint/2010/main" val="231074260"/>
+      </p:ext>
+    </p:extLst>
+  </p:cSld>
+  <p:clrMapOvr>
+    <a:masterClrMapping/>
+  </p:clrMapOvr>
+  <p:timing>
+    <p:tnLst>
+      <p:par>
+        <p:cTn id="1" dur="indefinite" restart="never" nodeType="tmRoot"/>
+      </p:par>
+    </p:tnLst>
+  </p:timing>
+</p:sld>
+</file>
+
+<file path=ppt/slides/slide11.xml><?xml version="1.0" encoding="utf-8"?>
+<p:sld xmlns:a="http://schemas.openxmlformats.org/drawingml/2006/main" xmlns:r="http://schemas.openxmlformats.org/officeDocument/2006/relationships" xmlns:p="http://schemas.openxmlformats.org/presentationml/2006/main">
+  <p:cSld>
+    <p:spTree>
+      <p:nvGrpSpPr>
+        <p:cNvPr id="1" name=""/>
+        <p:cNvGrpSpPr/>
+        <p:nvPr/>
+      </p:nvGrpSpPr>
+      <p:grpSpPr>
+        <a:xfrm>
+          <a:off x="0" y="0"/>
+          <a:ext cx="0" cy="0"/>
+          <a:chOff x="0" y="0"/>
+          <a:chExt cx="0" cy="0"/>
+        </a:xfrm>
+      </p:grpSpPr>
+      <p:sp>
+        <p:nvSpPr>
+          <p:cNvPr id="2" name="タイトル 1"/>
+          <p:cNvSpPr>
+            <a:spLocks noGrp="1"/>
+          </p:cNvSpPr>
+          <p:nvPr>
+            <p:ph type="title"/>
+          </p:nvPr>
+        </p:nvSpPr>
+        <p:spPr/>
+        <p:txBody>
+          <a:bodyPr>
+            <a:normAutofit/>
+          </a:bodyPr>
+          <a:lstStyle/>
+          <a:p>
+            <a:r>
+              <a:rPr lang="ja-JP" altLang="en-US" sz="6600" dirty="0" smtClean="0">
+                <a:latin typeface="HGP創英角ｺﾞｼｯｸUB" panose="020B0900000000000000" pitchFamily="50" charset="-128"/>
+                <a:ea typeface="HGP創英角ｺﾞｼｯｸUB" panose="020B0900000000000000" pitchFamily="50" charset="-128"/>
+              </a:rPr>
+              <a:t>雰囲気について</a:t>
+            </a:r>
+            <a:endParaRPr kumimoji="1" lang="ja-JP" altLang="en-US" sz="6600" dirty="0">
+              <a:latin typeface="HGP創英角ｺﾞｼｯｸUB" panose="020B0900000000000000" pitchFamily="50" charset="-128"/>
+              <a:ea typeface="HGP創英角ｺﾞｼｯｸUB" panose="020B0900000000000000" pitchFamily="50" charset="-128"/>
+            </a:endParaRPr>
+          </a:p>
+        </p:txBody>
+      </p:sp>
+      <p:sp>
+        <p:nvSpPr>
+          <p:cNvPr id="3" name="コンテンツ プレースホルダー 2"/>
+          <p:cNvSpPr>
+            <a:spLocks noGrp="1"/>
+          </p:cNvSpPr>
+          <p:nvPr>
+            <p:ph idx="1"/>
+          </p:nvPr>
+        </p:nvSpPr>
+        <p:spPr>
+          <a:xfrm>
+            <a:off x="838200" y="2276386"/>
+            <a:ext cx="10515600" cy="4351338"/>
+          </a:xfrm>
+        </p:spPr>
+        <p:txBody>
+          <a:bodyPr>
+            <a:normAutofit/>
+          </a:bodyPr>
+          <a:lstStyle/>
+          <a:p>
+            <a:pPr marL="0" indent="0">
+              <a:buNone/>
+            </a:pPr>
+            <a:r>
+              <a:rPr kumimoji="1" lang="en-US" altLang="ja-JP" sz="4400" dirty="0" smtClean="0"/>
+              <a:t>* </a:t>
+            </a:r>
+            <a:r>
+              <a:rPr kumimoji="1" lang="ja-JP" altLang="en-US" sz="4400" dirty="0" smtClean="0"/>
+              <a:t>四季を感じれるような世界にする。</a:t>
+            </a:r>
+            <a:endParaRPr kumimoji="1" lang="en-US" altLang="ja-JP" sz="4400" dirty="0" smtClean="0"/>
+          </a:p>
+          <a:p>
+            <a:pPr marL="0" indent="0">
+              <a:buNone/>
+            </a:pPr>
+            <a:r>
+              <a:rPr lang="ja-JP" altLang="en-US" sz="4400" dirty="0" smtClean="0"/>
+              <a:t>    </a:t>
+            </a:r>
+            <a:r>
+              <a:rPr lang="en-US" altLang="ja-JP" sz="4400" dirty="0" smtClean="0"/>
+              <a:t>* </a:t>
+            </a:r>
+            <a:r>
+              <a:rPr lang="ja-JP" altLang="en-US" sz="4400" dirty="0" smtClean="0"/>
+              <a:t>例） 春 ： 桜、 秋 ： 紅葉</a:t>
+            </a:r>
+            <a:endParaRPr lang="en-US" altLang="ja-JP" sz="4400" dirty="0"/>
+          </a:p>
+          <a:p>
+            <a:pPr marL="0" indent="0">
+              <a:buNone/>
+            </a:pPr>
+            <a:endParaRPr lang="en-US" altLang="ja-JP" sz="4400" dirty="0" smtClean="0"/>
+          </a:p>
+          <a:p>
+            <a:pPr marL="0" indent="0">
+              <a:buNone/>
+            </a:pPr>
+            <a:r>
+              <a:rPr kumimoji="1" lang="en-US" altLang="ja-JP" sz="4400" dirty="0" smtClean="0"/>
+              <a:t>* </a:t>
+            </a:r>
+            <a:r>
+              <a:rPr kumimoji="1" lang="ja-JP" altLang="en-US" sz="4400" dirty="0" smtClean="0"/>
+              <a:t>朝 昼 夜を感じれるように風景を変える。</a:t>
+            </a:r>
+            <a:endParaRPr kumimoji="1" lang="en-US" altLang="ja-JP" sz="4400" dirty="0" smtClean="0"/>
+          </a:p>
+          <a:p>
+            <a:pPr marL="0" indent="0">
+              <a:buNone/>
+            </a:pPr>
+            <a:r>
+              <a:rPr kumimoji="1" lang="en-US" altLang="ja-JP" sz="4400" dirty="0" smtClean="0"/>
+              <a:t>* </a:t>
+            </a:r>
+            <a:r>
+              <a:rPr kumimoji="1" lang="ja-JP" altLang="en-US" sz="4400" dirty="0" smtClean="0"/>
+              <a:t>過去に描いた絵は、星屑となり出てくる。</a:t>
+            </a:r>
+            <a:endParaRPr lang="en-US" altLang="ja-JP" sz="4400" dirty="0"/>
+          </a:p>
+          <a:p>
+            <a:pPr marL="0" indent="0">
+              <a:buNone/>
+            </a:pPr>
+            <a:endParaRPr kumimoji="1" lang="en-US" altLang="ja-JP" sz="4400" dirty="0" smtClean="0"/>
+          </a:p>
+        </p:txBody>
+      </p:sp>
+    </p:spTree>
+    <p:extLst>
+      <p:ext uri="{BB962C8B-B14F-4D97-AF65-F5344CB8AC3E}">
+        <p14:creationId xmlns:p14="http://schemas.microsoft.com/office/powerpoint/2010/main" val="1078949850"/>
+      </p:ext>
+    </p:extLst>
+  </p:cSld>
+  <p:clrMapOvr>
+    <a:masterClrMapping/>
+  </p:clrMapOvr>
+  <p:timing>
+    <p:tnLst>
+      <p:par>
+        <p:cTn id="1" dur="indefinite" restart="never" nodeType="tmRoot"/>
+      </p:par>
+    </p:tnLst>
+  </p:timing>
+</p:sld>
+</file>
+
+<file path=ppt/slides/slide12.xml><?xml version="1.0" encoding="utf-8"?>
+<p:sld xmlns:a="http://schemas.openxmlformats.org/drawingml/2006/main" xmlns:r="http://schemas.openxmlformats.org/officeDocument/2006/relationships" xmlns:p="http://schemas.openxmlformats.org/presentationml/2006/main">
+  <p:cSld>
+    <p:spTree>
+      <p:nvGrpSpPr>
+        <p:cNvPr id="1" name=""/>
+        <p:cNvGrpSpPr/>
+        <p:nvPr/>
+      </p:nvGrpSpPr>
+      <p:grpSpPr>
+        <a:xfrm>
+          <a:off x="0" y="0"/>
+          <a:ext cx="0" cy="0"/>
+          <a:chOff x="0" y="0"/>
+          <a:chExt cx="0" cy="0"/>
+        </a:xfrm>
+      </p:grpSpPr>
+      <p:sp>
+        <p:nvSpPr>
+          <p:cNvPr id="2" name="タイトル 1"/>
+          <p:cNvSpPr>
+            <a:spLocks noGrp="1"/>
+          </p:cNvSpPr>
+          <p:nvPr>
+            <p:ph type="title"/>
+          </p:nvPr>
+        </p:nvSpPr>
+        <p:spPr>
+          <a:xfrm>
+            <a:off x="838200" y="365125"/>
+            <a:ext cx="10515600" cy="909883"/>
+          </a:xfrm>
+        </p:spPr>
+        <p:txBody>
+          <a:bodyPr/>
+          <a:lstStyle/>
+          <a:p>
+            <a:r>
+              <a:rPr lang="ja-JP" altLang="en-US" dirty="0">
+                <a:latin typeface="HGP創英角ｺﾞｼｯｸUB" panose="020B0900000000000000" pitchFamily="50" charset="-128"/>
+                <a:ea typeface="HGP創英角ｺﾞｼｯｸUB" panose="020B0900000000000000" pitchFamily="50" charset="-128"/>
+              </a:rPr>
+              <a:t>今後</a:t>
+            </a:r>
+            <a:r>
+              <a:rPr lang="ja-JP" altLang="en-US" dirty="0" smtClean="0">
+                <a:latin typeface="HGP創英角ｺﾞｼｯｸUB" panose="020B0900000000000000" pitchFamily="50" charset="-128"/>
+                <a:ea typeface="HGP創英角ｺﾞｼｯｸUB" panose="020B0900000000000000" pitchFamily="50" charset="-128"/>
+              </a:rPr>
+              <a:t>の予定について</a:t>
+            </a:r>
+            <a:endParaRPr kumimoji="1" lang="ja-JP" altLang="en-US" dirty="0">
+              <a:latin typeface="HGP創英角ｺﾞｼｯｸUB" panose="020B0900000000000000" pitchFamily="50" charset="-128"/>
+              <a:ea typeface="HGP創英角ｺﾞｼｯｸUB" panose="020B0900000000000000" pitchFamily="50" charset="-128"/>
+            </a:endParaRPr>
+          </a:p>
+        </p:txBody>
+      </p:sp>
+      <p:sp>
+        <p:nvSpPr>
+          <p:cNvPr id="3" name="コンテンツ プレースホルダー 2"/>
+          <p:cNvSpPr>
+            <a:spLocks noGrp="1"/>
+          </p:cNvSpPr>
+          <p:nvPr>
+            <p:ph idx="1"/>
+          </p:nvPr>
+        </p:nvSpPr>
+        <p:spPr>
+          <a:xfrm>
+            <a:off x="838200" y="1275008"/>
+            <a:ext cx="10515600" cy="5061396"/>
+          </a:xfrm>
+        </p:spPr>
+        <p:txBody>
+          <a:bodyPr>
+            <a:noAutofit/>
+          </a:bodyPr>
+          <a:lstStyle/>
+          <a:p>
+            <a:pPr marL="0" indent="0">
+              <a:buNone/>
+            </a:pPr>
+            <a:r>
+              <a:rPr kumimoji="1" lang="en-US" altLang="ja-JP" sz="2400" dirty="0" smtClean="0"/>
+              <a:t>* 12/24(</a:t>
+            </a:r>
+            <a:r>
+              <a:rPr kumimoji="1" lang="ja-JP" altLang="en-US" sz="2400" dirty="0" smtClean="0"/>
+              <a:t>水</a:t>
+            </a:r>
+            <a:r>
+              <a:rPr kumimoji="1" lang="en-US" altLang="ja-JP" sz="2400" dirty="0" smtClean="0"/>
+              <a:t>)</a:t>
+            </a:r>
+          </a:p>
+          <a:p>
+            <a:pPr marL="0" indent="0">
+              <a:buNone/>
+            </a:pPr>
+            <a:r>
+              <a:rPr lang="en-US" altLang="ja-JP" sz="2400" dirty="0" smtClean="0"/>
+              <a:t>    * </a:t>
+            </a:r>
+            <a:r>
+              <a:rPr lang="ja-JP" altLang="en-US" sz="2400" dirty="0" smtClean="0"/>
+              <a:t>大まかな企画書完成。</a:t>
+            </a:r>
+            <a:endParaRPr kumimoji="1" lang="en-US" altLang="ja-JP" sz="2400" dirty="0" smtClean="0"/>
+          </a:p>
+          <a:p>
+            <a:pPr marL="0" indent="0">
+              <a:buNone/>
+            </a:pPr>
+            <a:r>
+              <a:rPr kumimoji="1" lang="en-US" altLang="ja-JP" sz="2400" dirty="0" smtClean="0"/>
+              <a:t>* </a:t>
+            </a:r>
+            <a:r>
+              <a:rPr kumimoji="1" lang="en-US" altLang="ja-JP" sz="2400" dirty="0" smtClean="0"/>
+              <a:t>12/25</a:t>
+            </a:r>
+            <a:r>
+              <a:rPr kumimoji="1" lang="en-US" altLang="ja-JP" sz="2400" dirty="0" smtClean="0"/>
+              <a:t>(</a:t>
+            </a:r>
+            <a:r>
+              <a:rPr lang="ja-JP" altLang="en-US" sz="2400" dirty="0"/>
+              <a:t>木</a:t>
+            </a:r>
+            <a:r>
+              <a:rPr kumimoji="1" lang="en-US" altLang="ja-JP" sz="2400" dirty="0" smtClean="0"/>
+              <a:t>)</a:t>
+            </a:r>
+            <a:r>
+              <a:rPr kumimoji="1" lang="ja-JP" altLang="en-US" sz="2400" dirty="0" smtClean="0"/>
+              <a:t>　</a:t>
+            </a:r>
+            <a:endParaRPr lang="en-US" altLang="ja-JP" sz="2400" dirty="0"/>
+          </a:p>
+          <a:p>
+            <a:pPr marL="0" indent="0">
+              <a:buNone/>
+            </a:pPr>
+            <a:r>
+              <a:rPr kumimoji="1" lang="en-US" altLang="ja-JP" sz="2400" dirty="0" smtClean="0"/>
+              <a:t>    </a:t>
+            </a:r>
+            <a:r>
+              <a:rPr kumimoji="1" lang="en-US" altLang="ja-JP" sz="2400" dirty="0" smtClean="0"/>
+              <a:t>* </a:t>
+            </a:r>
+            <a:r>
+              <a:rPr kumimoji="1" lang="ja-JP" altLang="en-US" sz="2400" dirty="0" smtClean="0"/>
+              <a:t>企画完全</a:t>
+            </a:r>
+            <a:r>
+              <a:rPr lang="ja-JP" altLang="en-US" sz="2400" dirty="0"/>
+              <a:t>完成　</a:t>
+            </a:r>
+            <a:r>
+              <a:rPr lang="ja-JP" altLang="en-US" sz="2400" dirty="0" smtClean="0"/>
+              <a:t>学校に報告</a:t>
+            </a:r>
+            <a:r>
+              <a:rPr lang="ja-JP" altLang="en-US" sz="2400" dirty="0"/>
+              <a:t>。</a:t>
+            </a:r>
+            <a:endParaRPr lang="en-US" altLang="ja-JP" sz="2400" dirty="0"/>
+          </a:p>
+          <a:p>
+            <a:pPr marL="0" indent="0">
+              <a:buNone/>
+            </a:pPr>
+            <a:r>
+              <a:rPr lang="en-US" altLang="ja-JP" sz="2400" dirty="0"/>
+              <a:t> </a:t>
+            </a:r>
+            <a:r>
+              <a:rPr lang="en-US" altLang="ja-JP" sz="2400" dirty="0" smtClean="0"/>
+              <a:t>   * </a:t>
+            </a:r>
+            <a:r>
+              <a:rPr kumimoji="1" lang="ja-JP" altLang="en-US" sz="2400" dirty="0" smtClean="0"/>
+              <a:t>使用ツールを探し、学校に報告</a:t>
+            </a:r>
+            <a:endParaRPr kumimoji="1" lang="en-US" altLang="ja-JP" sz="2400" dirty="0" smtClean="0"/>
+          </a:p>
+          <a:p>
+            <a:pPr marL="0" indent="0">
+              <a:buNone/>
+            </a:pPr>
+            <a:r>
+              <a:rPr lang="en-US" altLang="ja-JP" sz="2400" dirty="0"/>
+              <a:t> </a:t>
+            </a:r>
+            <a:r>
+              <a:rPr lang="en-US" altLang="ja-JP" sz="2400" dirty="0" smtClean="0"/>
+              <a:t>   * </a:t>
+            </a:r>
+            <a:r>
+              <a:rPr lang="ja-JP" altLang="en-US" sz="2400" dirty="0" smtClean="0"/>
+              <a:t>仕様書作成スタート！</a:t>
+            </a:r>
+            <a:r>
+              <a:rPr kumimoji="1" lang="en-US" altLang="ja-JP" sz="2400" dirty="0" smtClean="0"/>
+              <a:t>	</a:t>
+            </a:r>
+          </a:p>
+          <a:p>
+            <a:pPr marL="0" indent="0">
+              <a:buNone/>
+            </a:pPr>
+            <a:r>
+              <a:rPr lang="ja-JP" altLang="en-US" sz="2400" dirty="0" smtClean="0"/>
+              <a:t>* </a:t>
+            </a:r>
+            <a:r>
+              <a:rPr lang="en-US" altLang="ja-JP" sz="2400" dirty="0" smtClean="0"/>
+              <a:t>12/26</a:t>
+            </a:r>
+            <a:r>
+              <a:rPr lang="en-US" altLang="ja-JP" sz="2400" dirty="0" smtClean="0"/>
+              <a:t>(</a:t>
+            </a:r>
+            <a:r>
+              <a:rPr lang="ja-JP" altLang="en-US" sz="2400" dirty="0"/>
+              <a:t>金</a:t>
+            </a:r>
+            <a:r>
+              <a:rPr lang="en-US" altLang="ja-JP" sz="2400" dirty="0" smtClean="0"/>
+              <a:t>)</a:t>
+            </a:r>
+            <a:r>
+              <a:rPr lang="ja-JP" altLang="en-US" sz="2400" dirty="0" smtClean="0"/>
+              <a:t>　</a:t>
+            </a:r>
+            <a:endParaRPr lang="en-US" altLang="ja-JP" sz="2400" dirty="0" smtClean="0"/>
+          </a:p>
+          <a:p>
+            <a:pPr marL="0" indent="0">
+              <a:buNone/>
+            </a:pPr>
+            <a:r>
+              <a:rPr lang="ja-JP" altLang="en-US" sz="2400" dirty="0" smtClean="0"/>
+              <a:t>    </a:t>
+            </a:r>
+            <a:r>
+              <a:rPr lang="en-US" altLang="ja-JP" sz="2400" dirty="0" smtClean="0"/>
+              <a:t>* </a:t>
+            </a:r>
+            <a:r>
+              <a:rPr lang="ja-JP" altLang="en-US" sz="2400" dirty="0"/>
+              <a:t>開発</a:t>
+            </a:r>
+            <a:r>
+              <a:rPr lang="ja-JP" altLang="en-US" sz="2400" dirty="0" smtClean="0"/>
+              <a:t>への打ち合わせ</a:t>
+            </a:r>
+            <a:endParaRPr lang="en-US" altLang="ja-JP" sz="2400" dirty="0" smtClean="0"/>
+          </a:p>
+          <a:p>
+            <a:pPr marL="0" indent="0">
+              <a:buNone/>
+            </a:pPr>
+            <a:r>
+              <a:rPr lang="en-US" altLang="ja-JP" sz="2400" dirty="0" smtClean="0"/>
+              <a:t>    * </a:t>
+            </a:r>
+            <a:r>
+              <a:rPr lang="ja-JP" altLang="en-US" sz="2400" dirty="0" smtClean="0"/>
+              <a:t>使用</a:t>
+            </a:r>
+            <a:r>
+              <a:rPr lang="ja-JP" altLang="en-US" sz="2400" dirty="0" smtClean="0"/>
+              <a:t>ツールを</a:t>
+            </a:r>
+            <a:r>
+              <a:rPr lang="ja-JP" altLang="en-US" sz="2400" dirty="0" smtClean="0"/>
+              <a:t>説明</a:t>
+            </a:r>
+            <a:endParaRPr lang="en-US" altLang="ja-JP" sz="2400" dirty="0" smtClean="0"/>
+          </a:p>
+          <a:p>
+            <a:pPr marL="0" indent="0">
+              <a:buNone/>
+            </a:pPr>
+            <a:r>
+              <a:rPr kumimoji="1" lang="en-US" altLang="ja-JP" sz="2400" dirty="0" smtClean="0"/>
+              <a:t>* 12/27</a:t>
+            </a:r>
+            <a:r>
+              <a:rPr kumimoji="1" lang="ja-JP" altLang="en-US" sz="2400" dirty="0" smtClean="0"/>
+              <a:t>～ 冬休み</a:t>
+            </a:r>
+            <a:endParaRPr kumimoji="1" lang="en-US" altLang="ja-JP" sz="2400" dirty="0" smtClean="0"/>
+          </a:p>
+          <a:p>
+            <a:pPr marL="0" indent="0">
+              <a:buNone/>
+            </a:pPr>
+            <a:r>
+              <a:rPr kumimoji="1" lang="en-US" altLang="ja-JP" sz="2400" dirty="0" smtClean="0"/>
+              <a:t>    * </a:t>
+            </a:r>
+            <a:r>
+              <a:rPr kumimoji="1" lang="ja-JP" altLang="en-US" sz="2400" dirty="0" smtClean="0"/>
+              <a:t>各自</a:t>
+            </a:r>
+            <a:r>
+              <a:rPr lang="ja-JP" altLang="en-US" sz="2400" dirty="0" smtClean="0"/>
+              <a:t>、</a:t>
+            </a:r>
+            <a:r>
+              <a:rPr lang="ja-JP" altLang="en-US" sz="2400" dirty="0"/>
+              <a:t>開発</a:t>
+            </a:r>
+            <a:r>
+              <a:rPr kumimoji="1" lang="ja-JP" altLang="en-US" sz="2400" dirty="0" smtClean="0"/>
+              <a:t>への勉強</a:t>
+            </a:r>
+            <a:endParaRPr kumimoji="1" lang="en-US" altLang="ja-JP" sz="2400" dirty="0" smtClean="0"/>
+          </a:p>
+          <a:p>
+            <a:pPr marL="0" indent="0">
+              <a:buNone/>
+            </a:pPr>
+            <a:r>
+              <a:rPr kumimoji="1" lang="en-US" altLang="ja-JP" sz="2400" dirty="0" smtClean="0"/>
+              <a:t>* 1</a:t>
+            </a:r>
+            <a:r>
+              <a:rPr kumimoji="1" lang="ja-JP" altLang="en-US" sz="2400" dirty="0" smtClean="0"/>
+              <a:t>月中旬～ 開発</a:t>
+            </a:r>
+            <a:r>
+              <a:rPr kumimoji="1" lang="ja-JP" altLang="en-US" sz="2400" dirty="0" smtClean="0"/>
+              <a:t>スタート</a:t>
+            </a:r>
+            <a:endParaRPr kumimoji="1" lang="en-US" altLang="ja-JP" sz="2400" dirty="0"/>
+          </a:p>
+        </p:txBody>
+      </p:sp>
+    </p:spTree>
+    <p:extLst>
+      <p:ext uri="{BB962C8B-B14F-4D97-AF65-F5344CB8AC3E}">
+        <p14:creationId xmlns:p14="http://schemas.microsoft.com/office/powerpoint/2010/main" val="2126619232"/>
       </p:ext>
     </p:extLst>
   </p:cSld>
@@ -3608,19 +4346,11 @@
             </a:r>
             <a:r>
               <a:rPr kumimoji="1" lang="ja-JP" altLang="en-US" sz="3200" dirty="0" smtClean="0"/>
-              <a:t>ゲーム</a:t>
-            </a:r>
-            <a:r>
-              <a:rPr kumimoji="1" lang="ja-JP" altLang="en-US" sz="3200" dirty="0" smtClean="0"/>
-              <a:t>世界が成長する　</a:t>
+              <a:t>ゲーム世界が成長する　</a:t>
             </a:r>
             <a:r>
               <a:rPr lang="ja-JP" altLang="en-US" sz="3200" dirty="0" smtClean="0"/>
-              <a:t>→　ステージとなる木を</a:t>
-            </a:r>
-            <a:r>
-              <a:rPr lang="ja-JP" altLang="en-US" sz="3200" dirty="0" smtClean="0"/>
-              <a:t>成長</a:t>
+              <a:t>→　ステージとなる木を成長</a:t>
             </a:r>
             <a:endParaRPr lang="en-US" altLang="ja-JP" sz="3200" dirty="0" smtClean="0"/>
           </a:p>
@@ -3632,11 +4362,7 @@
             </a:r>
             <a:r>
               <a:rPr kumimoji="1" lang="ja-JP" altLang="en-US" sz="3200" dirty="0" smtClean="0"/>
-              <a:t>ユーザー</a:t>
-            </a:r>
-            <a:r>
-              <a:rPr kumimoji="1" lang="ja-JP" altLang="en-US" sz="3200" dirty="0" smtClean="0"/>
-              <a:t>がアクションをしたらリアルタイムでゲーム世界に反映</a:t>
+              <a:t>ユーザーがアクションをしたらリアルタイムでゲーム世界に反映</a:t>
             </a:r>
             <a:endParaRPr kumimoji="1" lang="en-US" altLang="ja-JP" sz="3200" dirty="0" smtClean="0"/>
           </a:p>
@@ -3656,11 +4382,7 @@
             </a:r>
             <a:r>
               <a:rPr lang="ja-JP" altLang="en-US" sz="3200" dirty="0" smtClean="0"/>
-              <a:t>空間</a:t>
-            </a:r>
-            <a:r>
-              <a:rPr lang="ja-JP" altLang="en-US" sz="3200" dirty="0" smtClean="0"/>
-              <a:t>を超主観空間に表現</a:t>
+              <a:t>空間を超主観空間に表現</a:t>
             </a:r>
             <a:endParaRPr lang="en-US" altLang="ja-JP" sz="3200" dirty="0" smtClean="0"/>
           </a:p>
@@ -3672,17 +4394,21 @@
             </a:r>
             <a:r>
               <a:rPr kumimoji="1" lang="ja-JP" altLang="en-US" sz="3200" dirty="0" smtClean="0"/>
-              <a:t>直感型</a:t>
-            </a:r>
-            <a:r>
-              <a:rPr kumimoji="1" lang="ja-JP" altLang="en-US" sz="3200" dirty="0" smtClean="0"/>
-              <a:t>操作での</a:t>
-            </a:r>
-            <a:r>
-              <a:rPr kumimoji="1" lang="ja-JP" altLang="en-US" sz="3200" dirty="0" smtClean="0"/>
-              <a:t>ゲーム反映</a:t>
+              <a:t>直感型操作でのゲーム反映</a:t>
             </a:r>
             <a:endParaRPr kumimoji="1" lang="en-US" altLang="ja-JP" sz="3200" dirty="0" smtClean="0"/>
+          </a:p>
+          <a:p>
+            <a:pPr algn="l"/>
+            <a:r>
+              <a:rPr lang="en-US" altLang="ja-JP" sz="3200" dirty="0" smtClean="0"/>
+              <a:t>* MMO</a:t>
+            </a:r>
+            <a:r>
+              <a:rPr lang="ja-JP" altLang="en-US" sz="3200" dirty="0" smtClean="0"/>
+              <a:t>（大人数参加型）</a:t>
+            </a:r>
+            <a:endParaRPr lang="en-US" altLang="ja-JP" sz="3200" dirty="0"/>
           </a:p>
           <a:p>
             <a:pPr algn="l"/>
@@ -3691,32 +4417,8 @@
               <a:t>* </a:t>
             </a:r>
             <a:r>
-              <a:rPr lang="en-US" altLang="ja-JP" sz="3200" dirty="0" smtClean="0"/>
-              <a:t>MMO</a:t>
-            </a:r>
-            <a:r>
               <a:rPr lang="ja-JP" altLang="en-US" sz="3200" dirty="0" smtClean="0"/>
-              <a:t>（大人数参加型）</a:t>
-            </a:r>
-            <a:endParaRPr lang="en-US" altLang="ja-JP" sz="3200" dirty="0"/>
-          </a:p>
-          <a:p>
-            <a:pPr algn="l"/>
-            <a:r>
-              <a:rPr lang="en-US" altLang="ja-JP" sz="3200" dirty="0" smtClean="0"/>
-              <a:t>* </a:t>
-            </a:r>
-            <a:r>
-              <a:rPr lang="ja-JP" altLang="en-US" sz="3200" dirty="0" smtClean="0"/>
-              <a:t>突発的</a:t>
-            </a:r>
-            <a:r>
-              <a:rPr lang="ja-JP" altLang="en-US" sz="3200" dirty="0" smtClean="0"/>
-              <a:t>なイベントがある</a:t>
-            </a:r>
-            <a:r>
-              <a:rPr lang="ja-JP" altLang="en-US" sz="3200" dirty="0" smtClean="0"/>
-              <a:t>。</a:t>
+              <a:t>突発的なイベントがある。</a:t>
             </a:r>
             <a:endParaRPr lang="en-US" altLang="ja-JP" sz="3200" dirty="0" smtClean="0"/>
           </a:p>
@@ -3984,15 +4686,7 @@
             </a:r>
             <a:r>
               <a:rPr kumimoji="1" lang="ja-JP" altLang="en-US" sz="4000" dirty="0" smtClean="0"/>
-              <a:t>自キャラの絵</a:t>
-            </a:r>
-            <a:r>
-              <a:rPr kumimoji="1" lang="ja-JP" altLang="en-US" sz="4000" dirty="0" smtClean="0"/>
-              <a:t>を描いて</a:t>
-            </a:r>
-            <a:r>
-              <a:rPr kumimoji="1" lang="ja-JP" altLang="en-US" sz="4000" dirty="0" smtClean="0"/>
-              <a:t>もらう　</a:t>
+              <a:t>自キャラの絵を描いてもらう　</a:t>
             </a:r>
             <a:r>
               <a:rPr lang="ja-JP" altLang="en-US" sz="4000" dirty="0" smtClean="0"/>
@@ -4032,15 +4726,7 @@
             </a:r>
             <a:r>
               <a:rPr lang="ja-JP" altLang="en-US" sz="4000" dirty="0" smtClean="0"/>
-              <a:t>自然</a:t>
-            </a:r>
-            <a:r>
-              <a:rPr lang="ja-JP" altLang="en-US" sz="4000" dirty="0" smtClean="0"/>
-              <a:t>災害</a:t>
-            </a:r>
-            <a:r>
-              <a:rPr lang="ja-JP" altLang="en-US" sz="4000" dirty="0" smtClean="0"/>
-              <a:t>発生</a:t>
+              <a:t>自然災害発生</a:t>
             </a:r>
             <a:endParaRPr lang="en-US" altLang="ja-JP" sz="4000" dirty="0" smtClean="0"/>
           </a:p>
@@ -4054,11 +4740,7 @@
             </a:r>
             <a:r>
               <a:rPr lang="ja-JP" altLang="en-US" sz="4000" dirty="0" smtClean="0"/>
-              <a:t>協力</a:t>
-            </a:r>
-            <a:r>
-              <a:rPr lang="ja-JP" altLang="en-US" sz="4000" dirty="0" smtClean="0"/>
-              <a:t>し解決（ここが重要） </a:t>
+              <a:t>協力し解決（ここが重要） </a:t>
             </a:r>
             <a:endParaRPr lang="en-US" altLang="ja-JP" sz="4000" dirty="0" smtClean="0"/>
           </a:p>
@@ -4072,15 +4754,7 @@
             </a:r>
             <a:r>
               <a:rPr lang="ja-JP" altLang="en-US" sz="4000" dirty="0" smtClean="0"/>
-              <a:t>解決</a:t>
-            </a:r>
-            <a:r>
-              <a:rPr lang="ja-JP" altLang="en-US" sz="4000" dirty="0" smtClean="0"/>
-              <a:t>したユーザーは生命が</a:t>
-            </a:r>
-            <a:r>
-              <a:rPr lang="ja-JP" altLang="en-US" sz="4000" dirty="0" smtClean="0"/>
-              <a:t>尽きる</a:t>
+              <a:t>解決したユーザーは生命が尽きる</a:t>
             </a:r>
             <a:endParaRPr lang="en-US" altLang="ja-JP" sz="4000" dirty="0" smtClean="0"/>
           </a:p>
@@ -4094,11 +4768,7 @@
             </a:r>
             <a:r>
               <a:rPr lang="ja-JP" altLang="en-US" sz="4000" dirty="0" smtClean="0"/>
-              <a:t>地面</a:t>
-            </a:r>
-            <a:r>
-              <a:rPr lang="ja-JP" altLang="en-US" sz="4000" dirty="0" smtClean="0"/>
-              <a:t>に落ち木の養分となる </a:t>
+              <a:t>地面に落ち木の養分となる </a:t>
             </a:r>
             <a:endParaRPr lang="en-US" altLang="ja-JP" sz="4000" dirty="0" smtClean="0"/>
           </a:p>
@@ -4112,15 +4782,7 @@
             </a:r>
             <a:r>
               <a:rPr lang="ja-JP" altLang="en-US" sz="4000" dirty="0" smtClean="0"/>
-              <a:t>木</a:t>
-            </a:r>
-            <a:r>
-              <a:rPr lang="ja-JP" altLang="en-US" sz="4000" dirty="0" smtClean="0"/>
-              <a:t>が</a:t>
-            </a:r>
-            <a:r>
-              <a:rPr lang="ja-JP" altLang="en-US" sz="4000" dirty="0" smtClean="0"/>
-              <a:t>成長</a:t>
+              <a:t>木が成長</a:t>
             </a:r>
             <a:endParaRPr lang="en-US" altLang="ja-JP" sz="4000" dirty="0" smtClean="0"/>
           </a:p>
@@ -4134,15 +4796,7 @@
             </a:r>
             <a:r>
               <a:rPr lang="ja-JP" altLang="en-US" sz="4000" dirty="0" smtClean="0"/>
-              <a:t>スタート</a:t>
-            </a:r>
-            <a:r>
-              <a:rPr lang="ja-JP" altLang="en-US" sz="4000" dirty="0" smtClean="0"/>
-              <a:t>に</a:t>
-            </a:r>
-            <a:r>
-              <a:rPr lang="ja-JP" altLang="en-US" sz="4000" dirty="0" smtClean="0"/>
-              <a:t>戻る</a:t>
+              <a:t>スタートに戻る</a:t>
             </a:r>
             <a:endParaRPr lang="en-US" altLang="ja-JP" sz="4000" dirty="0" smtClean="0"/>
           </a:p>
@@ -4207,7 +4861,14 @@
                 <a:latin typeface="HGP創英角ｺﾞｼｯｸUB" panose="020B0900000000000000" pitchFamily="50" charset="-128"/>
                 <a:ea typeface="HGP創英角ｺﾞｼｯｸUB" panose="020B0900000000000000" pitchFamily="50" charset="-128"/>
               </a:rPr>
-              <a:t>自キャラの絵について</a:t>
+              <a:t>ユーザーが描いてもらう絵</a:t>
+            </a:r>
+            <a:r>
+              <a:rPr lang="ja-JP" altLang="en-US" sz="5400" dirty="0" smtClean="0">
+                <a:latin typeface="HGP創英角ｺﾞｼｯｸUB" panose="020B0900000000000000" pitchFamily="50" charset="-128"/>
+                <a:ea typeface="HGP創英角ｺﾞｼｯｸUB" panose="020B0900000000000000" pitchFamily="50" charset="-128"/>
+              </a:rPr>
+              <a:t>について</a:t>
             </a:r>
             <a:endParaRPr kumimoji="1" lang="ja-JP" altLang="en-US" sz="5400" dirty="0">
               <a:latin typeface="HGP創英角ｺﾞｼｯｸUB" panose="020B0900000000000000" pitchFamily="50" charset="-128"/>
@@ -4245,6 +4906,24 @@
             </a:r>
             <a:r>
               <a:rPr kumimoji="1" lang="ja-JP" altLang="en-US" sz="3600" dirty="0" smtClean="0"/>
+              <a:t>自分の</a:t>
+            </a:r>
+            <a:r>
+              <a:rPr lang="ja-JP" altLang="en-US" sz="3600" dirty="0" smtClean="0"/>
+              <a:t>キャラクターを描いてもらう。</a:t>
+            </a:r>
+            <a:endParaRPr kumimoji="1" lang="en-US" altLang="ja-JP" sz="3600" dirty="0" smtClean="0"/>
+          </a:p>
+          <a:p>
+            <a:pPr marL="0" indent="0">
+              <a:buNone/>
+            </a:pPr>
+            <a:r>
+              <a:rPr kumimoji="1" lang="en-US" altLang="ja-JP" sz="3600" dirty="0" smtClean="0"/>
+              <a:t>* </a:t>
+            </a:r>
+            <a:r>
+              <a:rPr kumimoji="1" lang="ja-JP" altLang="en-US" sz="3600" dirty="0" smtClean="0"/>
               <a:t>こちらである程度のテンプレートを用意する。</a:t>
             </a:r>
             <a:endParaRPr kumimoji="1" lang="en-US" altLang="ja-JP" sz="3600" dirty="0" smtClean="0"/>
@@ -4281,7 +4960,27 @@
             </a:r>
             <a:r>
               <a:rPr lang="ja-JP" altLang="en-US" sz="3600" dirty="0" smtClean="0"/>
-              <a:t>アクションは、ユーザーがする。</a:t>
+              <a:t>アクションは、ユーザーが</a:t>
+            </a:r>
+            <a:r>
+              <a:rPr lang="ja-JP" altLang="en-US" sz="3600" dirty="0" smtClean="0"/>
+              <a:t>する</a:t>
+            </a:r>
+            <a:r>
+              <a:rPr lang="en-US" altLang="ja-JP" sz="3600" dirty="0" smtClean="0"/>
+              <a:t>(</a:t>
+            </a:r>
+            <a:r>
+              <a:rPr lang="ja-JP" altLang="en-US" sz="3600" dirty="0" smtClean="0"/>
+              <a:t>自動ではない</a:t>
+            </a:r>
+            <a:r>
+              <a:rPr lang="en-US" altLang="ja-JP" sz="3600" dirty="0" smtClean="0"/>
+              <a:t>)</a:t>
+            </a:r>
+            <a:r>
+              <a:rPr lang="ja-JP" altLang="en-US" sz="3600" dirty="0" err="1" smtClean="0"/>
+              <a:t>。</a:t>
             </a:r>
             <a:endParaRPr lang="en-US" altLang="ja-JP" sz="3600" dirty="0" smtClean="0"/>
           </a:p>
@@ -4384,31 +5083,205 @@
             <p:ph type="title"/>
           </p:nvPr>
         </p:nvSpPr>
-        <p:spPr>
-          <a:xfrm>
-            <a:off x="838200" y="365125"/>
-            <a:ext cx="10515600" cy="909883"/>
-          </a:xfrm>
-        </p:spPr>
-        <p:txBody>
-          <a:bodyPr/>
-          <a:lstStyle/>
-          <a:p>
-            <a:r>
-              <a:rPr lang="ja-JP" altLang="en-US" dirty="0">
+        <p:spPr/>
+        <p:txBody>
+          <a:bodyPr>
+            <a:normAutofit/>
+          </a:bodyPr>
+          <a:lstStyle/>
+          <a:p>
+            <a:r>
+              <a:rPr kumimoji="1" lang="ja-JP" altLang="en-US" sz="5400" dirty="0" smtClean="0">
                 <a:latin typeface="HGP創英角ｺﾞｼｯｸUB" panose="020B0900000000000000" pitchFamily="50" charset="-128"/>
                 <a:ea typeface="HGP創英角ｺﾞｼｯｸUB" panose="020B0900000000000000" pitchFamily="50" charset="-128"/>
               </a:rPr>
-              <a:t>今後</a:t>
-            </a:r>
-            <a:r>
-              <a:rPr lang="ja-JP" altLang="en-US" dirty="0" smtClean="0">
+              <a:t>ユーザーの目的（仮）</a:t>
+            </a:r>
+            <a:endParaRPr kumimoji="1" lang="ja-JP" altLang="en-US" sz="5400" dirty="0">
+              <a:latin typeface="HGP創英角ｺﾞｼｯｸUB" panose="020B0900000000000000" pitchFamily="50" charset="-128"/>
+              <a:ea typeface="HGP創英角ｺﾞｼｯｸUB" panose="020B0900000000000000" pitchFamily="50" charset="-128"/>
+            </a:endParaRPr>
+          </a:p>
+        </p:txBody>
+      </p:sp>
+      <p:sp>
+        <p:nvSpPr>
+          <p:cNvPr id="3" name="コンテンツ プレースホルダー 2"/>
+          <p:cNvSpPr>
+            <a:spLocks noGrp="1"/>
+          </p:cNvSpPr>
+          <p:nvPr>
+            <p:ph idx="1"/>
+          </p:nvPr>
+        </p:nvSpPr>
+        <p:spPr>
+          <a:xfrm>
+            <a:off x="838200" y="2598357"/>
+            <a:ext cx="10515600" cy="4351338"/>
+          </a:xfrm>
+        </p:spPr>
+        <p:txBody>
+          <a:bodyPr>
+            <a:normAutofit/>
+          </a:bodyPr>
+          <a:lstStyle/>
+          <a:p>
+            <a:pPr marL="0" indent="0">
+              <a:buNone/>
+            </a:pPr>
+            <a:r>
+              <a:rPr kumimoji="1" lang="en-US" altLang="ja-JP" sz="4400" dirty="0" smtClean="0"/>
+              <a:t>* </a:t>
+            </a:r>
+            <a:r>
+              <a:rPr kumimoji="1" lang="ja-JP" altLang="en-US" sz="4400" dirty="0" smtClean="0"/>
+              <a:t>みんなで木を成長させ、大きく</a:t>
+            </a:r>
+            <a:r>
+              <a:rPr lang="ja-JP" altLang="en-US" sz="4400" dirty="0" smtClean="0"/>
+              <a:t>す</a:t>
+            </a:r>
+            <a:r>
+              <a:rPr lang="ja-JP" altLang="en-US" sz="4400" dirty="0"/>
+              <a:t>る</a:t>
+            </a:r>
+            <a:r>
+              <a:rPr kumimoji="1" lang="ja-JP" altLang="en-US" sz="4400" dirty="0" smtClean="0"/>
+              <a:t>。</a:t>
+            </a:r>
+            <a:endParaRPr kumimoji="1" lang="en-US" altLang="ja-JP" sz="4400" dirty="0" smtClean="0"/>
+          </a:p>
+          <a:p>
+            <a:pPr marL="0" indent="0">
+              <a:buNone/>
+            </a:pPr>
+            <a:r>
+              <a:rPr lang="en-US" altLang="ja-JP" sz="4400" dirty="0" smtClean="0"/>
+              <a:t>* </a:t>
+            </a:r>
+            <a:r>
+              <a:rPr kumimoji="1" lang="ja-JP" altLang="en-US" sz="4400" dirty="0" smtClean="0"/>
+              <a:t>ゲーム世界の</a:t>
+            </a:r>
+            <a:r>
+              <a:rPr kumimoji="1" lang="en-US" altLang="ja-JP" sz="4400" dirty="0" smtClean="0"/>
+              <a:t>CO2</a:t>
+            </a:r>
+            <a:r>
+              <a:rPr kumimoji="1" lang="ja-JP" altLang="en-US" sz="4400" dirty="0" smtClean="0"/>
+              <a:t>を減らす。</a:t>
+            </a:r>
+            <a:endParaRPr kumimoji="1" lang="en-US" altLang="ja-JP" sz="4400" dirty="0" smtClean="0"/>
+          </a:p>
+          <a:p>
+            <a:pPr marL="0" indent="0">
+              <a:buNone/>
+            </a:pPr>
+            <a:r>
+              <a:rPr kumimoji="1" lang="en-US" altLang="ja-JP" sz="4400" dirty="0" smtClean="0"/>
+              <a:t>* </a:t>
+            </a:r>
+            <a:r>
+              <a:rPr kumimoji="1" lang="ja-JP" altLang="en-US" sz="4400" dirty="0" smtClean="0"/>
+              <a:t>自然災害をユーザーみんなで解決する。</a:t>
+            </a:r>
+            <a:endParaRPr kumimoji="1" lang="en-US" altLang="ja-JP" sz="4400" dirty="0" smtClean="0"/>
+          </a:p>
+          <a:p>
+            <a:endParaRPr kumimoji="1" lang="ja-JP" altLang="en-US" sz="4400" dirty="0"/>
+          </a:p>
+        </p:txBody>
+      </p:sp>
+    </p:spTree>
+    <p:extLst>
+      <p:ext uri="{BB962C8B-B14F-4D97-AF65-F5344CB8AC3E}">
+        <p14:creationId xmlns:p14="http://schemas.microsoft.com/office/powerpoint/2010/main" val="1729501536"/>
+      </p:ext>
+    </p:extLst>
+  </p:cSld>
+  <p:clrMapOvr>
+    <a:masterClrMapping/>
+  </p:clrMapOvr>
+  <p:timing>
+    <p:tnLst>
+      <p:par>
+        <p:cTn id="1" dur="indefinite" restart="never" nodeType="tmRoot"/>
+      </p:par>
+    </p:tnLst>
+  </p:timing>
+</p:sld>
+</file>
+
+<file path=ppt/slides/slide8.xml><?xml version="1.0" encoding="utf-8"?>
+<p:sld xmlns:a="http://schemas.openxmlformats.org/drawingml/2006/main" xmlns:r="http://schemas.openxmlformats.org/officeDocument/2006/relationships" xmlns:p="http://schemas.openxmlformats.org/presentationml/2006/main">
+  <p:cSld>
+    <p:spTree>
+      <p:nvGrpSpPr>
+        <p:cNvPr id="1" name=""/>
+        <p:cNvGrpSpPr/>
+        <p:nvPr/>
+      </p:nvGrpSpPr>
+      <p:grpSpPr>
+        <a:xfrm>
+          <a:off x="0" y="0"/>
+          <a:ext cx="0" cy="0"/>
+          <a:chOff x="0" y="0"/>
+          <a:chExt cx="0" cy="0"/>
+        </a:xfrm>
+      </p:grpSpPr>
+      <p:sp>
+        <p:nvSpPr>
+          <p:cNvPr id="2" name="タイトル 1"/>
+          <p:cNvSpPr>
+            <a:spLocks noGrp="1"/>
+          </p:cNvSpPr>
+          <p:nvPr>
+            <p:ph type="title"/>
+          </p:nvPr>
+        </p:nvSpPr>
+        <p:spPr/>
+        <p:txBody>
+          <a:bodyPr>
+            <a:normAutofit/>
+          </a:bodyPr>
+          <a:lstStyle/>
+          <a:p>
+            <a:r>
+              <a:rPr lang="ja-JP" altLang="en-US" sz="5400" dirty="0" smtClean="0">
                 <a:latin typeface="HGP創英角ｺﾞｼｯｸUB" panose="020B0900000000000000" pitchFamily="50" charset="-128"/>
                 <a:ea typeface="HGP創英角ｺﾞｼｯｸUB" panose="020B0900000000000000" pitchFamily="50" charset="-128"/>
               </a:rPr>
-              <a:t>の予定について</a:t>
-            </a:r>
-            <a:endParaRPr kumimoji="1" lang="ja-JP" altLang="en-US" dirty="0">
+              <a:t>自然災害 </a:t>
+            </a:r>
+            <a:r>
+              <a:rPr lang="en-US" altLang="ja-JP" sz="5400" dirty="0">
+                <a:latin typeface="HGP創英角ｺﾞｼｯｸUB" panose="020B0900000000000000" pitchFamily="50" charset="-128"/>
+                <a:ea typeface="HGP創英角ｺﾞｼｯｸUB" panose="020B0900000000000000" pitchFamily="50" charset="-128"/>
+              </a:rPr>
+              <a:t>(</a:t>
+            </a:r>
+            <a:r>
+              <a:rPr lang="ja-JP" altLang="en-US" sz="5400" dirty="0" smtClean="0">
+                <a:latin typeface="HGP創英角ｺﾞｼｯｸUB" panose="020B0900000000000000" pitchFamily="50" charset="-128"/>
+                <a:ea typeface="HGP創英角ｺﾞｼｯｸUB" panose="020B0900000000000000" pitchFamily="50" charset="-128"/>
+              </a:rPr>
+              <a:t>発生災害</a:t>
+            </a:r>
+            <a:r>
+              <a:rPr lang="en-US" altLang="ja-JP" sz="5400" dirty="0" smtClean="0">
+                <a:latin typeface="HGP創英角ｺﾞｼｯｸUB" panose="020B0900000000000000" pitchFamily="50" charset="-128"/>
+                <a:ea typeface="HGP創英角ｺﾞｼｯｸUB" panose="020B0900000000000000" pitchFamily="50" charset="-128"/>
+              </a:rPr>
+              <a:t>)</a:t>
+            </a:r>
+            <a:r>
+              <a:rPr lang="ja-JP" altLang="en-US" sz="5400" dirty="0" smtClean="0">
+                <a:latin typeface="HGP創英角ｺﾞｼｯｸUB" panose="020B0900000000000000" pitchFamily="50" charset="-128"/>
+                <a:ea typeface="HGP創英角ｺﾞｼｯｸUB" panose="020B0900000000000000" pitchFamily="50" charset="-128"/>
+              </a:rPr>
+              <a:t>について</a:t>
+            </a:r>
+            <a:endParaRPr kumimoji="1" lang="ja-JP" altLang="en-US" sz="5400" dirty="0">
               <a:latin typeface="HGP創英角ｺﾞｼｯｸUB" panose="020B0900000000000000" pitchFamily="50" charset="-128"/>
               <a:ea typeface="HGP創英角ｺﾞｼｯｸUB" panose="020B0900000000000000" pitchFamily="50" charset="-128"/>
             </a:endParaRPr>
@@ -4427,226 +5300,366 @@
         </p:nvSpPr>
         <p:spPr>
           <a:xfrm>
-            <a:off x="838200" y="1709714"/>
-            <a:ext cx="10515600" cy="4845631"/>
+            <a:off x="838200" y="1880987"/>
+            <a:ext cx="10515600" cy="5032084"/>
           </a:xfrm>
         </p:spPr>
         <p:txBody>
-          <a:bodyPr/>
+          <a:bodyPr>
+            <a:noAutofit/>
+          </a:bodyPr>
           <a:lstStyle/>
           <a:p>
             <a:pPr marL="0" indent="0">
               <a:buNone/>
             </a:pPr>
             <a:r>
-              <a:rPr kumimoji="1" lang="en-US" altLang="ja-JP" dirty="0" smtClean="0"/>
-              <a:t>* 12/25(</a:t>
-            </a:r>
-            <a:r>
-              <a:rPr kumimoji="1" lang="ja-JP" altLang="en-US" dirty="0" smtClean="0"/>
-              <a:t>水</a:t>
-            </a:r>
-            <a:r>
-              <a:rPr kumimoji="1" lang="en-US" altLang="ja-JP" dirty="0" smtClean="0"/>
+              <a:rPr lang="en-US" altLang="ja-JP" sz="4000" dirty="0" smtClean="0"/>
+              <a:t>* </a:t>
+            </a:r>
+            <a:r>
+              <a:rPr lang="ja-JP" altLang="en-US" sz="4000" dirty="0" smtClean="0"/>
+              <a:t>発生方法　→　イベントとして発生。</a:t>
+            </a:r>
+            <a:endParaRPr lang="en-US" altLang="ja-JP" sz="4000" dirty="0" smtClean="0"/>
+          </a:p>
+          <a:p>
+            <a:pPr marL="0" indent="0">
+              <a:buNone/>
+            </a:pPr>
+            <a:r>
+              <a:rPr lang="en-US" altLang="ja-JP" sz="4000" dirty="0" smtClean="0"/>
+              <a:t>* </a:t>
+            </a:r>
+            <a:r>
+              <a:rPr lang="ja-JP" altLang="en-US" sz="4000" dirty="0" smtClean="0"/>
+              <a:t>発生する災害の種類。</a:t>
+            </a:r>
+            <a:endParaRPr lang="en-US" altLang="ja-JP" sz="4000" dirty="0" smtClean="0"/>
+          </a:p>
+          <a:p>
+            <a:pPr marL="0" indent="0">
+              <a:buNone/>
+            </a:pPr>
+            <a:r>
+              <a:rPr lang="ja-JP" altLang="en-US" sz="3600" dirty="0"/>
+              <a:t> </a:t>
+            </a:r>
+            <a:r>
+              <a:rPr lang="ja-JP" altLang="en-US" sz="3600" dirty="0" smtClean="0"/>
+              <a:t>   </a:t>
+            </a:r>
+            <a:r>
+              <a:rPr lang="en-US" altLang="ja-JP" sz="3600" dirty="0" smtClean="0"/>
+              <a:t>* </a:t>
+            </a:r>
+            <a:r>
+              <a:rPr lang="ja-JP" altLang="en-US" sz="3600" dirty="0" smtClean="0"/>
+              <a:t>雷</a:t>
+            </a:r>
+            <a:r>
+              <a:rPr lang="ja-JP" altLang="en-US" sz="3600" dirty="0"/>
+              <a:t>　</a:t>
+            </a:r>
+            <a:r>
+              <a:rPr lang="ja-JP" altLang="en-US" sz="3600" dirty="0" smtClean="0"/>
+              <a:t>→　枝に雷が落ち、火事発生。</a:t>
+            </a:r>
+            <a:endParaRPr lang="en-US" altLang="ja-JP" sz="3600" dirty="0" smtClean="0"/>
+          </a:p>
+          <a:p>
+            <a:pPr marL="0" indent="0">
+              <a:buNone/>
+            </a:pPr>
+            <a:r>
+              <a:rPr lang="en-US" altLang="ja-JP" sz="3600" dirty="0" smtClean="0"/>
+              <a:t>    * </a:t>
+            </a:r>
+            <a:r>
+              <a:rPr lang="ja-JP" altLang="en-US" sz="3600" dirty="0"/>
+              <a:t>火事　→　</a:t>
+            </a:r>
+            <a:r>
+              <a:rPr lang="ja-JP" altLang="en-US" sz="3600" dirty="0" smtClean="0"/>
+              <a:t>枝、葉っぱが燃える。</a:t>
+            </a:r>
+            <a:endParaRPr lang="en-US" altLang="ja-JP" sz="3600" dirty="0" smtClean="0"/>
+          </a:p>
+          <a:p>
+            <a:pPr marL="0" indent="0">
+              <a:buNone/>
+            </a:pPr>
+            <a:r>
+              <a:rPr kumimoji="1" lang="en-US" altLang="ja-JP" sz="3600" dirty="0" smtClean="0"/>
+              <a:t>    * </a:t>
+            </a:r>
+            <a:r>
+              <a:rPr kumimoji="1" lang="ja-JP" altLang="en-US" sz="3600" dirty="0" smtClean="0"/>
+              <a:t>台風</a:t>
+            </a:r>
+            <a:r>
+              <a:rPr kumimoji="1" lang="en-US" altLang="ja-JP" sz="3600" dirty="0" smtClean="0"/>
+              <a:t>(</a:t>
+            </a:r>
+            <a:r>
+              <a:rPr kumimoji="1" lang="ja-JP" altLang="en-US" sz="3600" dirty="0" smtClean="0"/>
+              <a:t>大雨</a:t>
+            </a:r>
+            <a:r>
+              <a:rPr kumimoji="1" lang="en-US" altLang="ja-JP" sz="3600" dirty="0" smtClean="0"/>
               <a:t>)</a:t>
             </a:r>
             <a:r>
-              <a:rPr kumimoji="1" lang="ja-JP" altLang="en-US" dirty="0" smtClean="0"/>
+              <a:rPr kumimoji="1" lang="ja-JP" altLang="en-US" sz="3600" dirty="0" smtClean="0"/>
               <a:t>　</a:t>
             </a:r>
-            <a:endParaRPr lang="en-US" altLang="ja-JP" dirty="0"/>
+            <a:r>
+              <a:rPr lang="ja-JP" altLang="en-US" sz="3600" dirty="0" smtClean="0"/>
+              <a:t>→　葉っぱは</a:t>
+            </a:r>
+            <a:r>
+              <a:rPr lang="ja-JP" altLang="en-US" sz="3600" dirty="0"/>
+              <a:t>、</a:t>
+            </a:r>
+            <a:r>
+              <a:rPr lang="ja-JP" altLang="en-US" sz="3600" dirty="0" smtClean="0"/>
+              <a:t>飛び、枝が折れる。</a:t>
+            </a:r>
+            <a:endParaRPr kumimoji="1" lang="en-US" altLang="ja-JP" sz="3600" dirty="0" smtClean="0"/>
           </a:p>
           <a:p>
             <a:pPr marL="0" indent="0">
               <a:buNone/>
             </a:pPr>
             <a:r>
-              <a:rPr kumimoji="1" lang="en-US" altLang="ja-JP" dirty="0" smtClean="0"/>
-              <a:t>    * </a:t>
-            </a:r>
-            <a:r>
-              <a:rPr kumimoji="1" lang="ja-JP" altLang="en-US" dirty="0" smtClean="0"/>
-              <a:t>企画完全完成。</a:t>
-            </a:r>
-            <a:endParaRPr lang="en-US" altLang="ja-JP" dirty="0"/>
+              <a:rPr lang="ja-JP" altLang="en-US" sz="3600" dirty="0" smtClean="0"/>
+              <a:t>    * 地震　→　木自体が揺れる。葉っぱが落ちる。</a:t>
+            </a:r>
+            <a:endParaRPr lang="en-US" altLang="ja-JP" sz="3600" dirty="0" smtClean="0"/>
           </a:p>
           <a:p>
             <a:pPr marL="0" indent="0">
               <a:buNone/>
             </a:pPr>
             <a:r>
-              <a:rPr lang="en-US" altLang="ja-JP" dirty="0"/>
-              <a:t> </a:t>
-            </a:r>
-            <a:r>
-              <a:rPr lang="en-US" altLang="ja-JP" dirty="0" smtClean="0"/>
-              <a:t>   * </a:t>
-            </a:r>
-            <a:r>
-              <a:rPr kumimoji="1" lang="ja-JP" altLang="en-US" dirty="0" smtClean="0"/>
-              <a:t>制作メンバー</a:t>
-            </a:r>
-            <a:r>
-              <a:rPr kumimoji="1" lang="en-US" altLang="ja-JP" dirty="0" smtClean="0"/>
-              <a:t>(</a:t>
-            </a:r>
-            <a:r>
-              <a:rPr kumimoji="1" lang="ja-JP" altLang="en-US" dirty="0" smtClean="0"/>
-              <a:t>プランナー</a:t>
-            </a:r>
-            <a:r>
-              <a:rPr kumimoji="1" lang="en-US" altLang="ja-JP" dirty="0" smtClean="0"/>
-              <a:t>)</a:t>
-            </a:r>
-            <a:r>
-              <a:rPr kumimoji="1" lang="ja-JP" altLang="en-US" dirty="0" smtClean="0"/>
-              <a:t>を</a:t>
-            </a:r>
-            <a:r>
-              <a:rPr lang="en-US" altLang="ja-JP" dirty="0"/>
-              <a:t>2</a:t>
-            </a:r>
-            <a:r>
-              <a:rPr lang="ja-JP" altLang="en-US" dirty="0" smtClean="0"/>
-              <a:t>人にします</a:t>
-            </a:r>
-            <a:r>
-              <a:rPr kumimoji="1" lang="ja-JP" altLang="en-US" dirty="0" smtClean="0"/>
-              <a:t>。</a:t>
-            </a:r>
-            <a:r>
-              <a:rPr kumimoji="1" lang="en-US" altLang="ja-JP" dirty="0" smtClean="0"/>
-              <a:t>	</a:t>
-            </a:r>
-          </a:p>
-          <a:p>
-            <a:pPr marL="0" indent="0">
-              <a:buNone/>
-            </a:pPr>
-            <a:r>
-              <a:rPr lang="ja-JP" altLang="en-US" dirty="0" smtClean="0"/>
-              <a:t>* </a:t>
-            </a:r>
-            <a:r>
-              <a:rPr lang="en-US" altLang="ja-JP" dirty="0" smtClean="0"/>
-              <a:t>12/26(</a:t>
-            </a:r>
-            <a:r>
-              <a:rPr lang="ja-JP" altLang="en-US" dirty="0" smtClean="0"/>
-              <a:t>木</a:t>
-            </a:r>
-            <a:r>
-              <a:rPr lang="en-US" altLang="ja-JP" dirty="0" smtClean="0"/>
-              <a:t>)</a:t>
-            </a:r>
-            <a:r>
-              <a:rPr lang="ja-JP" altLang="en-US" dirty="0" smtClean="0"/>
-              <a:t>　</a:t>
-            </a:r>
-            <a:endParaRPr lang="en-US" altLang="ja-JP" dirty="0" smtClean="0"/>
-          </a:p>
-          <a:p>
-            <a:pPr marL="0" indent="0">
-              <a:buNone/>
-            </a:pPr>
-            <a:r>
-              <a:rPr lang="ja-JP" altLang="en-US" dirty="0" smtClean="0"/>
-              <a:t>    </a:t>
-            </a:r>
-            <a:r>
-              <a:rPr lang="en-US" altLang="ja-JP" dirty="0" smtClean="0"/>
-              <a:t>* </a:t>
-            </a:r>
-            <a:r>
-              <a:rPr lang="ja-JP" altLang="en-US" dirty="0"/>
-              <a:t>開発</a:t>
-            </a:r>
-            <a:r>
-              <a:rPr lang="ja-JP" altLang="en-US" dirty="0" smtClean="0"/>
-              <a:t>への打ち合わせ</a:t>
-            </a:r>
-            <a:endParaRPr lang="en-US" altLang="ja-JP" dirty="0" smtClean="0"/>
-          </a:p>
-          <a:p>
-            <a:pPr marL="0" indent="0">
-              <a:buNone/>
-            </a:pPr>
-            <a:r>
-              <a:rPr lang="en-US" altLang="ja-JP" dirty="0" smtClean="0"/>
-              <a:t>    * </a:t>
-            </a:r>
-            <a:r>
-              <a:rPr lang="ja-JP" altLang="en-US" dirty="0" smtClean="0"/>
-              <a:t>使用ツールを説明</a:t>
-            </a:r>
-            <a:endParaRPr lang="en-US" altLang="ja-JP" dirty="0" smtClean="0"/>
-          </a:p>
-          <a:p>
-            <a:pPr marL="0" indent="0">
-              <a:buNone/>
-            </a:pPr>
-            <a:r>
-              <a:rPr kumimoji="1" lang="en-US" altLang="ja-JP" dirty="0" smtClean="0"/>
-              <a:t>* 12/27</a:t>
-            </a:r>
-            <a:r>
-              <a:rPr kumimoji="1" lang="ja-JP" altLang="en-US" dirty="0" smtClean="0"/>
-              <a:t>～ 冬休み</a:t>
-            </a:r>
-            <a:endParaRPr kumimoji="1" lang="en-US" altLang="ja-JP" dirty="0" smtClean="0"/>
-          </a:p>
-          <a:p>
-            <a:pPr marL="0" indent="0">
-              <a:buNone/>
-            </a:pPr>
-            <a:r>
-              <a:rPr kumimoji="1" lang="en-US" altLang="ja-JP" dirty="0" smtClean="0"/>
-              <a:t>    * </a:t>
-            </a:r>
-            <a:r>
-              <a:rPr kumimoji="1" lang="ja-JP" altLang="en-US" dirty="0" smtClean="0"/>
-              <a:t>各自</a:t>
-            </a:r>
-            <a:r>
-              <a:rPr lang="ja-JP" altLang="en-US" dirty="0" smtClean="0"/>
-              <a:t>、</a:t>
-            </a:r>
-            <a:r>
-              <a:rPr lang="ja-JP" altLang="en-US" dirty="0"/>
-              <a:t>開発</a:t>
-            </a:r>
-            <a:r>
-              <a:rPr kumimoji="1" lang="ja-JP" altLang="en-US" dirty="0" smtClean="0"/>
-              <a:t>への勉強</a:t>
-            </a:r>
-            <a:endParaRPr kumimoji="1" lang="en-US" altLang="ja-JP" dirty="0" smtClean="0"/>
-          </a:p>
-          <a:p>
-            <a:pPr marL="0" indent="0">
-              <a:buNone/>
-            </a:pPr>
-            <a:r>
-              <a:rPr kumimoji="1" lang="en-US" altLang="ja-JP" dirty="0" smtClean="0"/>
-              <a:t>* 1</a:t>
-            </a:r>
-            <a:r>
-              <a:rPr kumimoji="1" lang="ja-JP" altLang="en-US" dirty="0" smtClean="0"/>
-              <a:t>月中旬～ 開発スタート</a:t>
-            </a:r>
-            <a:endParaRPr kumimoji="1" lang="en-US" altLang="ja-JP" dirty="0"/>
-          </a:p>
-          <a:p>
-            <a:pPr marL="0" indent="0">
-              <a:buNone/>
-            </a:pPr>
-            <a:endParaRPr kumimoji="1" lang="ja-JP" altLang="en-US" dirty="0"/>
+              <a:rPr lang="ja-JP" altLang="en-US" sz="3600" dirty="0" smtClean="0"/>
+              <a:t>    * 大雪　→　雪の重みで枝、葉っぱが落ちる。</a:t>
+            </a:r>
+            <a:endParaRPr kumimoji="1" lang="en-US" altLang="ja-JP" sz="3600" dirty="0"/>
           </a:p>
         </p:txBody>
       </p:sp>
     </p:spTree>
     <p:extLst>
       <p:ext uri="{BB962C8B-B14F-4D97-AF65-F5344CB8AC3E}">
-        <p14:creationId xmlns:p14="http://schemas.microsoft.com/office/powerpoint/2010/main" val="2126619232"/>
+        <p14:creationId xmlns:p14="http://schemas.microsoft.com/office/powerpoint/2010/main" val="1856293343"/>
+      </p:ext>
+    </p:extLst>
+  </p:cSld>
+  <p:clrMapOvr>
+    <a:masterClrMapping/>
+  </p:clrMapOvr>
+  <p:timing>
+    <p:tnLst>
+      <p:par>
+        <p:cTn id="1" dur="indefinite" restart="never" nodeType="tmRoot"/>
+      </p:par>
+    </p:tnLst>
+  </p:timing>
+</p:sld>
+</file>
+
+<file path=ppt/slides/slide9.xml><?xml version="1.0" encoding="utf-8"?>
+<p:sld xmlns:a="http://schemas.openxmlformats.org/drawingml/2006/main" xmlns:r="http://schemas.openxmlformats.org/officeDocument/2006/relationships" xmlns:p="http://schemas.openxmlformats.org/presentationml/2006/main">
+  <p:cSld>
+    <p:spTree>
+      <p:nvGrpSpPr>
+        <p:cNvPr id="1" name=""/>
+        <p:cNvGrpSpPr/>
+        <p:nvPr/>
+      </p:nvGrpSpPr>
+      <p:grpSpPr>
+        <a:xfrm>
+          <a:off x="0" y="0"/>
+          <a:ext cx="0" cy="0"/>
+          <a:chOff x="0" y="0"/>
+          <a:chExt cx="0" cy="0"/>
+        </a:xfrm>
+      </p:grpSpPr>
+      <p:sp>
+        <p:nvSpPr>
+          <p:cNvPr id="2" name="タイトル 1"/>
+          <p:cNvSpPr>
+            <a:spLocks noGrp="1"/>
+          </p:cNvSpPr>
+          <p:nvPr>
+            <p:ph type="title"/>
+          </p:nvPr>
+        </p:nvSpPr>
+        <p:spPr/>
+        <p:txBody>
+          <a:bodyPr>
+            <a:normAutofit/>
+          </a:bodyPr>
+          <a:lstStyle/>
+          <a:p>
+            <a:r>
+              <a:rPr kumimoji="1" lang="ja-JP" altLang="en-US" sz="6600" dirty="0" smtClean="0">
+                <a:latin typeface="HGP創英角ｺﾞｼｯｸUB" panose="020B0900000000000000" pitchFamily="50" charset="-128"/>
+                <a:ea typeface="HGP創英角ｺﾞｼｯｸUB" panose="020B0900000000000000" pitchFamily="50" charset="-128"/>
+              </a:rPr>
+              <a:t>協力解決について</a:t>
+            </a:r>
+            <a:endParaRPr kumimoji="1" lang="ja-JP" altLang="en-US" sz="6600" dirty="0">
+              <a:latin typeface="HGP創英角ｺﾞｼｯｸUB" panose="020B0900000000000000" pitchFamily="50" charset="-128"/>
+              <a:ea typeface="HGP創英角ｺﾞｼｯｸUB" panose="020B0900000000000000" pitchFamily="50" charset="-128"/>
+            </a:endParaRPr>
+          </a:p>
+        </p:txBody>
+      </p:sp>
+      <p:sp>
+        <p:nvSpPr>
+          <p:cNvPr id="3" name="コンテンツ プレースホルダー 2"/>
+          <p:cNvSpPr>
+            <a:spLocks noGrp="1"/>
+          </p:cNvSpPr>
+          <p:nvPr>
+            <p:ph idx="1"/>
+          </p:nvPr>
+        </p:nvSpPr>
+        <p:spPr>
+          <a:xfrm>
+            <a:off x="838200" y="2506662"/>
+            <a:ext cx="10515600" cy="4351338"/>
+          </a:xfrm>
+        </p:spPr>
+        <p:txBody>
+          <a:bodyPr>
+            <a:normAutofit/>
+          </a:bodyPr>
+          <a:lstStyle/>
+          <a:p>
+            <a:pPr marL="0" indent="0">
+              <a:buNone/>
+            </a:pPr>
+            <a:r>
+              <a:rPr lang="en-US" altLang="ja-JP" sz="4000" dirty="0" smtClean="0"/>
+              <a:t>* </a:t>
+            </a:r>
+            <a:r>
+              <a:rPr lang="ja-JP" altLang="en-US" sz="4000" dirty="0" smtClean="0"/>
+              <a:t>雷　→　解決するものではない。</a:t>
+            </a:r>
+            <a:endParaRPr lang="en-US" altLang="ja-JP" sz="4000" dirty="0" smtClean="0"/>
+          </a:p>
+          <a:p>
+            <a:pPr marL="0" indent="0">
+              <a:buNone/>
+            </a:pPr>
+            <a:r>
+              <a:rPr lang="en-US" altLang="ja-JP" sz="4000" dirty="0" smtClean="0"/>
+              <a:t>* </a:t>
+            </a:r>
+            <a:r>
+              <a:rPr lang="ja-JP" altLang="en-US" sz="4000" dirty="0" smtClean="0"/>
+              <a:t>火事　→　消火活動をする。</a:t>
+            </a:r>
+            <a:endParaRPr lang="en-US" altLang="ja-JP" sz="4000" dirty="0" smtClean="0"/>
+          </a:p>
+          <a:p>
+            <a:pPr marL="0" indent="0">
+              <a:buNone/>
+            </a:pPr>
+            <a:r>
+              <a:rPr lang="en-US" altLang="ja-JP" sz="4000" dirty="0" smtClean="0"/>
+              <a:t>* </a:t>
+            </a:r>
+            <a:r>
+              <a:rPr lang="ja-JP" altLang="en-US" sz="4000" dirty="0"/>
+              <a:t>台風　→　</a:t>
+            </a:r>
+            <a:r>
+              <a:rPr lang="en-US" altLang="ja-JP" sz="4000" dirty="0" smtClean="0"/>
+              <a:t>(</a:t>
+            </a:r>
+            <a:r>
+              <a:rPr lang="ja-JP" altLang="en-US" sz="4000" dirty="0" smtClean="0"/>
+              <a:t>木と枝</a:t>
+            </a:r>
+            <a:r>
+              <a:rPr lang="en-US" altLang="ja-JP" sz="4000" dirty="0" smtClean="0"/>
+              <a:t>)&amp;(</a:t>
+            </a:r>
+            <a:r>
+              <a:rPr lang="ja-JP" altLang="en-US" sz="4000" dirty="0" smtClean="0"/>
+              <a:t>枝と地面</a:t>
+            </a:r>
+            <a:r>
+              <a:rPr lang="en-US" altLang="ja-JP" sz="4000" dirty="0" smtClean="0"/>
+              <a:t>)</a:t>
+            </a:r>
+            <a:r>
+              <a:rPr lang="ja-JP" altLang="en-US" sz="4000" dirty="0" smtClean="0"/>
+              <a:t>に補強糸をする。</a:t>
+            </a:r>
+            <a:endParaRPr lang="en-US" altLang="ja-JP" sz="4000" dirty="0"/>
+          </a:p>
+          <a:p>
+            <a:pPr marL="0" indent="0">
+              <a:buNone/>
+            </a:pPr>
+            <a:r>
+              <a:rPr lang="en-US" altLang="ja-JP" sz="4000" dirty="0" smtClean="0"/>
+              <a:t>* </a:t>
+            </a:r>
+            <a:r>
+              <a:rPr lang="ja-JP" altLang="en-US" sz="4000" dirty="0"/>
+              <a:t>地震　→　</a:t>
+            </a:r>
+            <a:r>
+              <a:rPr lang="ja-JP" altLang="en-US" sz="4000" dirty="0" smtClean="0"/>
+              <a:t>木をみんなで支える。</a:t>
+            </a:r>
+            <a:endParaRPr lang="en-US" altLang="ja-JP" sz="4000" dirty="0" smtClean="0"/>
+          </a:p>
+          <a:p>
+            <a:pPr marL="0" indent="0">
+              <a:buNone/>
+            </a:pPr>
+            <a:r>
+              <a:rPr lang="ja-JP" altLang="en-US" sz="4000" dirty="0" smtClean="0"/>
+              <a:t>* </a:t>
+            </a:r>
+            <a:r>
+              <a:rPr lang="ja-JP" altLang="en-US" sz="4000" dirty="0"/>
+              <a:t>大雪　→　雪</a:t>
+            </a:r>
+            <a:r>
+              <a:rPr lang="ja-JP" altLang="en-US" sz="4000" dirty="0" smtClean="0"/>
+              <a:t>か</a:t>
+            </a:r>
+            <a:r>
+              <a:rPr lang="ja-JP" altLang="en-US" sz="4000" dirty="0"/>
+              <a:t>き</a:t>
+            </a:r>
+            <a:r>
+              <a:rPr lang="ja-JP" altLang="en-US" sz="4000" dirty="0" smtClean="0"/>
+              <a:t>。</a:t>
+            </a:r>
+            <a:endParaRPr lang="en-US" altLang="ja-JP" sz="4000" dirty="0"/>
+          </a:p>
+          <a:p>
+            <a:pPr marL="0" indent="0">
+              <a:buNone/>
+            </a:pPr>
+            <a:endParaRPr kumimoji="1" lang="ja-JP" altLang="en-US" sz="4000" dirty="0"/>
+          </a:p>
+        </p:txBody>
+      </p:sp>
+    </p:spTree>
+    <p:extLst>
+      <p:ext uri="{BB962C8B-B14F-4D97-AF65-F5344CB8AC3E}">
+        <p14:creationId xmlns:p14="http://schemas.microsoft.com/office/powerpoint/2010/main" val="2909119271"/>
       </p:ext>
     </p:extLst>
   </p:cSld>

--- a/Doc/ゲーム企画書.pptx
+++ b/Doc/ゲーム企画書.pptx
@@ -15,8 +15,9 @@
     <p:sldId id="264" r:id="rId9"/>
     <p:sldId id="265" r:id="rId10"/>
     <p:sldId id="267" r:id="rId11"/>
-    <p:sldId id="268" r:id="rId12"/>
-    <p:sldId id="261" r:id="rId13"/>
+    <p:sldId id="269" r:id="rId12"/>
+    <p:sldId id="268" r:id="rId13"/>
+    <p:sldId id="261" r:id="rId14"/>
   </p:sldIdLst>
   <p:sldSz cx="12192000" cy="6858000"/>
   <p:notesSz cx="6858000" cy="9144000"/>
@@ -3609,13 +3610,13 @@
           <a:lstStyle/>
           <a:p>
             <a:r>
-              <a:rPr lang="ja-JP" altLang="en-US" sz="6600" dirty="0" smtClean="0">
+              <a:rPr kumimoji="1" lang="ja-JP" altLang="en-US" sz="7200" dirty="0" smtClean="0">
                 <a:latin typeface="HGP創英角ｺﾞｼｯｸUB" panose="020B0900000000000000" pitchFamily="50" charset="-128"/>
                 <a:ea typeface="HGP創英角ｺﾞｼｯｸUB" panose="020B0900000000000000" pitchFamily="50" charset="-128"/>
               </a:rPr>
-              <a:t>雰囲気について</a:t>
-            </a:r>
-            <a:endParaRPr kumimoji="1" lang="ja-JP" altLang="en-US" sz="6600" dirty="0">
+              <a:t>世界観</a:t>
+            </a:r>
+            <a:endParaRPr kumimoji="1" lang="ja-JP" altLang="en-US" sz="7200" dirty="0">
               <a:latin typeface="HGP創英角ｺﾞｼｯｸUB" panose="020B0900000000000000" pitchFamily="50" charset="-128"/>
               <a:ea typeface="HGP創英角ｺﾞｼｯｸUB" panose="020B0900000000000000" pitchFamily="50" charset="-128"/>
             </a:endParaRPr>
@@ -3634,13 +3635,13 @@
         </p:nvSpPr>
         <p:spPr>
           <a:xfrm>
-            <a:off x="838200" y="2276386"/>
-            <a:ext cx="10515600" cy="4351338"/>
+            <a:off x="425003" y="1825625"/>
+            <a:ext cx="11410682" cy="4351338"/>
           </a:xfrm>
         </p:spPr>
         <p:txBody>
           <a:bodyPr>
-            <a:normAutofit/>
+            <a:noAutofit/>
           </a:bodyPr>
           <a:lstStyle/>
           <a:p>
@@ -3648,79 +3649,125 @@
               <a:buNone/>
             </a:pPr>
             <a:r>
-              <a:rPr kumimoji="1" lang="en-US" altLang="ja-JP" sz="4400" dirty="0" smtClean="0"/>
+              <a:rPr lang="en-US" altLang="ja-JP" sz="3600" dirty="0" smtClean="0"/>
+              <a:t>* CO2</a:t>
+            </a:r>
+            <a:r>
+              <a:rPr lang="ja-JP" altLang="en-US" sz="3600" dirty="0" smtClean="0"/>
+              <a:t>が雲を作り、自然災害発生へつながる。</a:t>
+            </a:r>
+            <a:endParaRPr lang="en-US" altLang="ja-JP" sz="3600" dirty="0" smtClean="0"/>
+          </a:p>
+          <a:p>
+            <a:pPr marL="0" indent="0">
+              <a:buNone/>
+            </a:pPr>
+            <a:r>
+              <a:rPr lang="en-US" altLang="ja-JP" sz="3600" dirty="0" smtClean="0"/>
               <a:t>* </a:t>
             </a:r>
             <a:r>
-              <a:rPr kumimoji="1" lang="ja-JP" altLang="en-US" sz="4400" dirty="0" smtClean="0"/>
-              <a:t>四季を感じれるような世界にする。</a:t>
-            </a:r>
-            <a:endParaRPr kumimoji="1" lang="en-US" altLang="ja-JP" sz="4400" dirty="0" smtClean="0"/>
+              <a:rPr lang="ja-JP" altLang="en-US" sz="3600" dirty="0" smtClean="0"/>
+              <a:t>災害によって木が壊れていく。</a:t>
+            </a:r>
+            <a:endParaRPr lang="en-US" altLang="ja-JP" sz="3600" dirty="0" smtClean="0"/>
           </a:p>
           <a:p>
             <a:pPr marL="0" indent="0">
               <a:buNone/>
             </a:pPr>
             <a:r>
-              <a:rPr lang="ja-JP" altLang="en-US" sz="4400" dirty="0" smtClean="0"/>
-              <a:t>    </a:t>
-            </a:r>
-            <a:r>
-              <a:rPr lang="en-US" altLang="ja-JP" sz="4400" dirty="0" smtClean="0"/>
+              <a:rPr kumimoji="1" lang="en-US" altLang="ja-JP" sz="3600" dirty="0" smtClean="0"/>
               <a:t>* </a:t>
             </a:r>
             <a:r>
-              <a:rPr lang="ja-JP" altLang="en-US" sz="4400" dirty="0" smtClean="0"/>
-              <a:t>例） 春 ： 桜、 秋 ： 紅葉</a:t>
-            </a:r>
-            <a:endParaRPr lang="en-US" altLang="ja-JP" sz="4400" dirty="0"/>
+              <a:rPr kumimoji="1" lang="ja-JP" altLang="en-US" sz="3600" dirty="0" smtClean="0"/>
+              <a:t>ユーザーは、ゲーム世界を守る</a:t>
+            </a:r>
+            <a:r>
+              <a:rPr lang="ja-JP" altLang="en-US" sz="3600" dirty="0" smtClean="0"/>
+              <a:t>ために活動をする。</a:t>
+            </a:r>
+            <a:endParaRPr lang="en-US" altLang="ja-JP" sz="3600" dirty="0" smtClean="0"/>
           </a:p>
           <a:p>
             <a:pPr marL="0" indent="0">
               <a:buNone/>
             </a:pPr>
-            <a:endParaRPr lang="en-US" altLang="ja-JP" sz="4400" dirty="0" smtClean="0"/>
+            <a:r>
+              <a:rPr kumimoji="1" lang="en-US" altLang="ja-JP" sz="3600" dirty="0" smtClean="0"/>
+              <a:t>* </a:t>
+            </a:r>
+            <a:r>
+              <a:rPr kumimoji="1" lang="ja-JP" altLang="en-US" sz="3600" dirty="0" smtClean="0"/>
+              <a:t>描いた絵の寿命は、雨等で汚れ薄くなる。</a:t>
+            </a:r>
+            <a:endParaRPr kumimoji="1" lang="en-US" altLang="ja-JP" sz="3600" dirty="0" smtClean="0"/>
           </a:p>
           <a:p>
             <a:pPr marL="0" indent="0">
               <a:buNone/>
             </a:pPr>
             <a:r>
-              <a:rPr kumimoji="1" lang="en-US" altLang="ja-JP" sz="4400" dirty="0" smtClean="0"/>
+              <a:rPr lang="en-US" altLang="ja-JP" sz="3600" dirty="0" smtClean="0"/>
               <a:t>* </a:t>
             </a:r>
             <a:r>
-              <a:rPr kumimoji="1" lang="ja-JP" altLang="en-US" sz="4400" dirty="0" smtClean="0"/>
-              <a:t>朝 昼 夜を感じれるように風景を変える。</a:t>
-            </a:r>
-            <a:endParaRPr kumimoji="1" lang="en-US" altLang="ja-JP" sz="4400" dirty="0" smtClean="0"/>
+              <a:rPr lang="ja-JP" altLang="en-US" sz="3600" dirty="0" smtClean="0"/>
+              <a:t>薄くなると</a:t>
+            </a:r>
+            <a:r>
+              <a:rPr kumimoji="1" lang="ja-JP" altLang="en-US" sz="3600" dirty="0" smtClean="0"/>
+              <a:t>地面に落ち、木の養分になる。</a:t>
+            </a:r>
+            <a:endParaRPr kumimoji="1" lang="en-US" altLang="ja-JP" sz="3600" dirty="0" smtClean="0"/>
           </a:p>
           <a:p>
             <a:pPr marL="0" indent="0">
               <a:buNone/>
             </a:pPr>
             <a:r>
-              <a:rPr kumimoji="1" lang="en-US" altLang="ja-JP" sz="4400" dirty="0" smtClean="0"/>
+              <a:rPr kumimoji="1" lang="en-US" altLang="ja-JP" sz="3600" dirty="0" smtClean="0"/>
               <a:t>* </a:t>
             </a:r>
             <a:r>
-              <a:rPr kumimoji="1" lang="ja-JP" altLang="en-US" sz="4400" dirty="0" smtClean="0"/>
-              <a:t>過去に描いた絵は、星屑となり出てくる。</a:t>
-            </a:r>
-            <a:endParaRPr lang="en-US" altLang="ja-JP" sz="4400" dirty="0"/>
+              <a:rPr kumimoji="1" lang="ja-JP" altLang="en-US" sz="3600" dirty="0" smtClean="0"/>
+              <a:t>生き残るためには葉っぱが必要。</a:t>
+            </a:r>
+            <a:endParaRPr kumimoji="1" lang="en-US" altLang="ja-JP" sz="3600" dirty="0" smtClean="0"/>
           </a:p>
           <a:p>
             <a:pPr marL="0" indent="0">
               <a:buNone/>
             </a:pPr>
-            <a:endParaRPr kumimoji="1" lang="en-US" altLang="ja-JP" sz="4400" dirty="0" smtClean="0"/>
+            <a:r>
+              <a:rPr kumimoji="1" lang="en-US" altLang="ja-JP" sz="3600" dirty="0" smtClean="0"/>
+              <a:t>* </a:t>
+            </a:r>
+            <a:r>
+              <a:rPr kumimoji="1" lang="ja-JP" altLang="en-US" sz="3600" dirty="0" smtClean="0"/>
+              <a:t>葉っぱを守るため災害を止める</a:t>
+            </a:r>
+            <a:r>
+              <a:rPr kumimoji="1" lang="en-US" altLang="ja-JP" sz="3600" dirty="0" smtClean="0"/>
+              <a:t>(CO2</a:t>
+            </a:r>
+            <a:r>
+              <a:rPr kumimoji="1" lang="ja-JP" altLang="en-US" sz="3600" dirty="0" smtClean="0"/>
+              <a:t>減らす</a:t>
+            </a:r>
+            <a:r>
+              <a:rPr kumimoji="1" lang="en-US" altLang="ja-JP" sz="3600" dirty="0" smtClean="0"/>
+              <a:t>)</a:t>
+            </a:r>
+            <a:endParaRPr kumimoji="1" lang="ja-JP" altLang="en-US" sz="3600" dirty="0"/>
           </a:p>
         </p:txBody>
       </p:sp>
     </p:spTree>
     <p:extLst>
       <p:ext uri="{BB962C8B-B14F-4D97-AF65-F5344CB8AC3E}">
-        <p14:creationId xmlns:p14="http://schemas.microsoft.com/office/powerpoint/2010/main" val="1078949850"/>
+        <p14:creationId xmlns:p14="http://schemas.microsoft.com/office/powerpoint/2010/main" val="1104003867"/>
       </p:ext>
     </p:extLst>
   </p:cSld>
@@ -3764,6 +3811,169 @@
             <p:ph type="title"/>
           </p:nvPr>
         </p:nvSpPr>
+        <p:spPr/>
+        <p:txBody>
+          <a:bodyPr>
+            <a:normAutofit/>
+          </a:bodyPr>
+          <a:lstStyle/>
+          <a:p>
+            <a:r>
+              <a:rPr lang="ja-JP" altLang="en-US" sz="6600" dirty="0" smtClean="0">
+                <a:latin typeface="HGP創英角ｺﾞｼｯｸUB" panose="020B0900000000000000" pitchFamily="50" charset="-128"/>
+                <a:ea typeface="HGP創英角ｺﾞｼｯｸUB" panose="020B0900000000000000" pitchFamily="50" charset="-128"/>
+              </a:rPr>
+              <a:t>雰囲気について</a:t>
+            </a:r>
+            <a:endParaRPr kumimoji="1" lang="ja-JP" altLang="en-US" sz="6600" dirty="0">
+              <a:latin typeface="HGP創英角ｺﾞｼｯｸUB" panose="020B0900000000000000" pitchFamily="50" charset="-128"/>
+              <a:ea typeface="HGP創英角ｺﾞｼｯｸUB" panose="020B0900000000000000" pitchFamily="50" charset="-128"/>
+            </a:endParaRPr>
+          </a:p>
+        </p:txBody>
+      </p:sp>
+      <p:sp>
+        <p:nvSpPr>
+          <p:cNvPr id="3" name="コンテンツ プレースホルダー 2"/>
+          <p:cNvSpPr>
+            <a:spLocks noGrp="1"/>
+          </p:cNvSpPr>
+          <p:nvPr>
+            <p:ph idx="1"/>
+          </p:nvPr>
+        </p:nvSpPr>
+        <p:spPr>
+          <a:xfrm>
+            <a:off x="838200" y="2276386"/>
+            <a:ext cx="10515600" cy="4351338"/>
+          </a:xfrm>
+        </p:spPr>
+        <p:txBody>
+          <a:bodyPr>
+            <a:normAutofit/>
+          </a:bodyPr>
+          <a:lstStyle/>
+          <a:p>
+            <a:pPr marL="0" indent="0">
+              <a:buNone/>
+            </a:pPr>
+            <a:r>
+              <a:rPr kumimoji="1" lang="en-US" altLang="ja-JP" sz="4400" dirty="0" smtClean="0"/>
+              <a:t>* </a:t>
+            </a:r>
+            <a:r>
+              <a:rPr kumimoji="1" lang="ja-JP" altLang="en-US" sz="4400" dirty="0" smtClean="0"/>
+              <a:t>四季を感じれるような世界にする。</a:t>
+            </a:r>
+            <a:endParaRPr kumimoji="1" lang="en-US" altLang="ja-JP" sz="4400" dirty="0" smtClean="0"/>
+          </a:p>
+          <a:p>
+            <a:pPr marL="0" indent="0">
+              <a:buNone/>
+            </a:pPr>
+            <a:r>
+              <a:rPr lang="ja-JP" altLang="en-US" sz="4400" dirty="0" smtClean="0"/>
+              <a:t>    </a:t>
+            </a:r>
+            <a:r>
+              <a:rPr lang="en-US" altLang="ja-JP" sz="4400" dirty="0" smtClean="0"/>
+              <a:t>* </a:t>
+            </a:r>
+            <a:r>
+              <a:rPr lang="ja-JP" altLang="en-US" sz="4400" dirty="0" smtClean="0"/>
+              <a:t>例） 春 ： 桜、 秋 ： 紅葉</a:t>
+            </a:r>
+            <a:endParaRPr lang="en-US" altLang="ja-JP" sz="4400" dirty="0"/>
+          </a:p>
+          <a:p>
+            <a:pPr marL="0" indent="0">
+              <a:buNone/>
+            </a:pPr>
+            <a:endParaRPr lang="en-US" altLang="ja-JP" sz="4400" dirty="0" smtClean="0"/>
+          </a:p>
+          <a:p>
+            <a:pPr marL="0" indent="0">
+              <a:buNone/>
+            </a:pPr>
+            <a:r>
+              <a:rPr kumimoji="1" lang="en-US" altLang="ja-JP" sz="4400" dirty="0" smtClean="0"/>
+              <a:t>* </a:t>
+            </a:r>
+            <a:r>
+              <a:rPr kumimoji="1" lang="ja-JP" altLang="en-US" sz="4400" dirty="0" smtClean="0"/>
+              <a:t>朝 昼 夜を感じれるように風景を変える。</a:t>
+            </a:r>
+            <a:endParaRPr kumimoji="1" lang="en-US" altLang="ja-JP" sz="4400" dirty="0" smtClean="0"/>
+          </a:p>
+          <a:p>
+            <a:pPr marL="0" indent="0">
+              <a:buNone/>
+            </a:pPr>
+            <a:r>
+              <a:rPr kumimoji="1" lang="en-US" altLang="ja-JP" sz="4400" dirty="0" smtClean="0"/>
+              <a:t>* </a:t>
+            </a:r>
+            <a:r>
+              <a:rPr kumimoji="1" lang="ja-JP" altLang="en-US" sz="4400" dirty="0" smtClean="0"/>
+              <a:t>過去に描いた絵は、星屑となり出てくる。</a:t>
+            </a:r>
+            <a:endParaRPr lang="en-US" altLang="ja-JP" sz="4400" dirty="0"/>
+          </a:p>
+          <a:p>
+            <a:pPr marL="0" indent="0">
+              <a:buNone/>
+            </a:pPr>
+            <a:endParaRPr kumimoji="1" lang="en-US" altLang="ja-JP" sz="4400" dirty="0" smtClean="0"/>
+          </a:p>
+        </p:txBody>
+      </p:sp>
+    </p:spTree>
+    <p:extLst>
+      <p:ext uri="{BB962C8B-B14F-4D97-AF65-F5344CB8AC3E}">
+        <p14:creationId xmlns:p14="http://schemas.microsoft.com/office/powerpoint/2010/main" val="1078949850"/>
+      </p:ext>
+    </p:extLst>
+  </p:cSld>
+  <p:clrMapOvr>
+    <a:masterClrMapping/>
+  </p:clrMapOvr>
+  <p:timing>
+    <p:tnLst>
+      <p:par>
+        <p:cTn id="1" dur="indefinite" restart="never" nodeType="tmRoot"/>
+      </p:par>
+    </p:tnLst>
+  </p:timing>
+</p:sld>
+</file>
+
+<file path=ppt/slides/slide13.xml><?xml version="1.0" encoding="utf-8"?>
+<p:sld xmlns:a="http://schemas.openxmlformats.org/drawingml/2006/main" xmlns:r="http://schemas.openxmlformats.org/officeDocument/2006/relationships" xmlns:p="http://schemas.openxmlformats.org/presentationml/2006/main">
+  <p:cSld>
+    <p:spTree>
+      <p:nvGrpSpPr>
+        <p:cNvPr id="1" name=""/>
+        <p:cNvGrpSpPr/>
+        <p:nvPr/>
+      </p:nvGrpSpPr>
+      <p:grpSpPr>
+        <a:xfrm>
+          <a:off x="0" y="0"/>
+          <a:ext cx="0" cy="0"/>
+          <a:chOff x="0" y="0"/>
+          <a:chExt cx="0" cy="0"/>
+        </a:xfrm>
+      </p:grpSpPr>
+      <p:sp>
+        <p:nvSpPr>
+          <p:cNvPr id="2" name="タイトル 1"/>
+          <p:cNvSpPr>
+            <a:spLocks noGrp="1"/>
+          </p:cNvSpPr>
+          <p:nvPr>
+            <p:ph type="title"/>
+          </p:nvPr>
+        </p:nvSpPr>
         <p:spPr>
           <a:xfrm>
             <a:off x="838200" y="365125"/>
@@ -3853,15 +4063,7 @@
             </a:pPr>
             <a:r>
               <a:rPr kumimoji="1" lang="en-US" altLang="ja-JP" sz="2400" dirty="0" smtClean="0"/>
-              <a:t>* </a:t>
-            </a:r>
-            <a:r>
-              <a:rPr kumimoji="1" lang="en-US" altLang="ja-JP" sz="2400" dirty="0" smtClean="0"/>
-              <a:t>12/25</a:t>
-            </a:r>
-            <a:r>
-              <a:rPr kumimoji="1" lang="en-US" altLang="ja-JP" sz="2400" dirty="0" smtClean="0"/>
-              <a:t>(</a:t>
+              <a:t>* 12/25(</a:t>
             </a:r>
             <a:r>
               <a:rPr lang="ja-JP" altLang="en-US" sz="2400" dirty="0"/>
@@ -3883,11 +4085,7 @@
             </a:pPr>
             <a:r>
               <a:rPr kumimoji="1" lang="en-US" altLang="ja-JP" sz="2400" dirty="0" smtClean="0"/>
-              <a:t>    </a:t>
-            </a:r>
-            <a:r>
-              <a:rPr kumimoji="1" lang="en-US" altLang="ja-JP" sz="2400" dirty="0" smtClean="0"/>
-              <a:t>* </a:t>
+              <a:t>    * </a:t>
             </a:r>
             <a:r>
               <a:rPr kumimoji="1" lang="ja-JP" altLang="en-US" sz="2400" dirty="0" smtClean="0"/>
@@ -3956,11 +4154,7 @@
             </a:r>
             <a:r>
               <a:rPr lang="en-US" altLang="ja-JP" sz="2400" dirty="0" smtClean="0"/>
-              <a:t>12/26</a:t>
-            </a:r>
-            <a:r>
-              <a:rPr lang="en-US" altLang="ja-JP" sz="2400" dirty="0" smtClean="0"/>
-              <a:t>(</a:t>
+              <a:t>12/26(</a:t>
             </a:r>
             <a:r>
               <a:rPr lang="ja-JP" altLang="en-US" sz="2400" dirty="0"/>
@@ -4008,15 +4202,7 @@
             </a:r>
             <a:r>
               <a:rPr lang="ja-JP" altLang="en-US" sz="2400" dirty="0" smtClean="0"/>
-              <a:t>使用</a:t>
-            </a:r>
-            <a:r>
-              <a:rPr lang="ja-JP" altLang="en-US" sz="2400" dirty="0" smtClean="0"/>
-              <a:t>ツールを</a:t>
-            </a:r>
-            <a:r>
-              <a:rPr lang="ja-JP" altLang="en-US" sz="2400" dirty="0" smtClean="0"/>
-              <a:t>説明</a:t>
+              <a:t>使用ツールを説明</a:t>
             </a:r>
             <a:endParaRPr lang="en-US" altLang="ja-JP" sz="2400" dirty="0" smtClean="0"/>
           </a:p>
@@ -4070,11 +4256,7 @@
             </a:r>
             <a:r>
               <a:rPr kumimoji="1" lang="ja-JP" altLang="en-US" sz="2400" dirty="0" smtClean="0"/>
-              <a:t>月中旬～ 開発</a:t>
-            </a:r>
-            <a:r>
-              <a:rPr kumimoji="1" lang="ja-JP" altLang="en-US" sz="2400" dirty="0" smtClean="0"/>
-              <a:t>スタート</a:t>
+              <a:t>月中旬～ 開発スタート</a:t>
             </a:r>
             <a:endParaRPr kumimoji="1" lang="en-US" altLang="ja-JP" sz="2400" dirty="0"/>
           </a:p>
@@ -4861,14 +5043,7 @@
                 <a:latin typeface="HGP創英角ｺﾞｼｯｸUB" panose="020B0900000000000000" pitchFamily="50" charset="-128"/>
                 <a:ea typeface="HGP創英角ｺﾞｼｯｸUB" panose="020B0900000000000000" pitchFamily="50" charset="-128"/>
               </a:rPr>
-              <a:t>ユーザーが描いてもらう絵</a:t>
-            </a:r>
-            <a:r>
-              <a:rPr lang="ja-JP" altLang="en-US" sz="5400" dirty="0" smtClean="0">
-                <a:latin typeface="HGP創英角ｺﾞｼｯｸUB" panose="020B0900000000000000" pitchFamily="50" charset="-128"/>
-                <a:ea typeface="HGP創英角ｺﾞｼｯｸUB" panose="020B0900000000000000" pitchFamily="50" charset="-128"/>
-              </a:rPr>
-              <a:t>について</a:t>
+              <a:t>ユーザーが描いてもらう絵について</a:t>
             </a:r>
             <a:endParaRPr kumimoji="1" lang="ja-JP" altLang="en-US" sz="5400" dirty="0">
               <a:latin typeface="HGP創英角ｺﾞｼｯｸUB" panose="020B0900000000000000" pitchFamily="50" charset="-128"/>
@@ -4960,11 +5135,7 @@
             </a:r>
             <a:r>
               <a:rPr lang="ja-JP" altLang="en-US" sz="3600" dirty="0" smtClean="0"/>
-              <a:t>アクションは、ユーザーが</a:t>
-            </a:r>
-            <a:r>
-              <a:rPr lang="ja-JP" altLang="en-US" sz="3600" dirty="0" smtClean="0"/>
-              <a:t>する</a:t>
+              <a:t>アクションは、ユーザーがする</a:t>
             </a:r>
             <a:r>
               <a:rPr lang="en-US" altLang="ja-JP" sz="3600" dirty="0" smtClean="0"/>
@@ -5319,7 +5490,19 @@
             </a:r>
             <a:r>
               <a:rPr lang="ja-JP" altLang="en-US" sz="4000" dirty="0" smtClean="0"/>
-              <a:t>発生方法　→　イベントとして発生。</a:t>
+              <a:t>発生方法　→　</a:t>
+            </a:r>
+            <a:r>
+              <a:rPr lang="en-US" altLang="ja-JP" sz="4000" dirty="0" smtClean="0"/>
+              <a:t>CO2</a:t>
+            </a:r>
+            <a:r>
+              <a:rPr lang="ja-JP" altLang="en-US" sz="4000" dirty="0" smtClean="0"/>
+              <a:t>が雲を作り発生</a:t>
+            </a:r>
+            <a:r>
+              <a:rPr lang="ja-JP" altLang="en-US" sz="4000" dirty="0" smtClean="0"/>
+              <a:t>。</a:t>
             </a:r>
             <a:endParaRPr lang="en-US" altLang="ja-JP" sz="4000" dirty="0" smtClean="0"/>
           </a:p>
